--- a/Presentation.pptx
+++ b/Presentation.pptx
@@ -1,15 +1,14 @@
 
 <file path=ppt/presentation.xml><?xml version="1.0" encoding="utf-8"?>
-<p:presentation xmlns:a="http://schemas.openxmlformats.org/drawingml/2006/main" xmlns:r="http://schemas.openxmlformats.org/officeDocument/2006/relationships" xmlns:p="http://schemas.openxmlformats.org/presentationml/2006/main" saveSubsetFonts="1">
+<p:presentation xmlns:a="http://schemas.openxmlformats.org/drawingml/2006/main" xmlns:r="http://schemas.openxmlformats.org/officeDocument/2006/relationships" xmlns:p="http://schemas.openxmlformats.org/presentationml/2006/main">
   <p:sldMasterIdLst>
-    <p:sldMasterId id="2147483660" r:id="rId1"/>
+    <p:sldMasterId id="2147483648" r:id="rId1"/>
   </p:sldMasterIdLst>
   <p:sldIdLst>
-    <p:sldId id="256" r:id="rId2"/>
-    <p:sldId id="257" r:id="rId3"/>
-    <p:sldId id="259" r:id="rId4"/>
-    <p:sldId id="260" r:id="rId5"/>
-    <p:sldId id="261" r:id="rId6"/>
+    <p:sldId id="256" r:id="rId3"/>
+    <p:sldId id="257" r:id="rId4"/>
+    <p:sldId id="259" r:id="rId5"/>
+    <p:sldId id="260" r:id="rId6"/>
     <p:sldId id="262" r:id="rId7"/>
     <p:sldId id="263" r:id="rId8"/>
     <p:sldId id="264" r:id="rId9"/>
@@ -127,21 +126,7 @@
       </a:defRPr>
     </a:lvl9pPr>
   </p:defaultTextStyle>
-  <p:extLst>
-    <p:ext uri="{EFAFB233-063F-42B5-8137-9DF3F51BA10A}">
-      <p15:sldGuideLst xmlns:p15="http://schemas.microsoft.com/office/powerpoint/2012/main"/>
-    </p:ext>
-  </p:extLst>
 </p:presentation>
-</file>
-
-<file path=ppt/revisionInfo.xml><?xml version="1.0" encoding="utf-8"?>
-<p1510:revInfo xmlns:a="http://schemas.openxmlformats.org/drawingml/2006/main" xmlns:r="http://schemas.openxmlformats.org/officeDocument/2006/relationships" xmlns:p1510="http://schemas.microsoft.com/office/powerpoint/2015/10/main">
-  <p1510:revLst>
-    <p1510:client id="{AEE0305C-D8D0-4ADA-1EF2-582F0449B611}" v="42" dt="2024-12-13T06:22:35.216"/>
-    <p1510:client id="{DBA1C221-9E40-76A9-AC15-5ABA8B6853EE}" v="1202" dt="2024-12-12T22:13:17.266"/>
-  </p1510:revLst>
-</p1510:revInfo>
 </file>
 
 <file path=ppt/slideLayouts/slideLayout1.xml><?xml version="1.0" encoding="utf-8"?>
@@ -275,7 +260,6 @@
           <a:p>
             <a:fld id="{846CE7D5-CF57-46EF-B807-FDD0502418D4}" type="datetimeFigureOut">
               <a:rPr lang="en-US" smtClean="0"/>
-              <a:t>12/29/2024</a:t>
             </a:fld>
             <a:endParaRPr lang="en-US"/>
           </a:p>
@@ -317,18 +301,12 @@
           <a:p>
             <a:fld id="{330EA680-D336-4FF7-8B7A-9848BB0A1C32}" type="slidenum">
               <a:rPr lang="en-US" smtClean="0"/>
-              <a:t>‹#›</a:t>
             </a:fld>
             <a:endParaRPr lang="en-US"/>
           </a:p>
         </p:txBody>
       </p:sp>
     </p:spTree>
-    <p:extLst>
-      <p:ext uri="{BB962C8B-B14F-4D97-AF65-F5344CB8AC3E}">
-        <p14:creationId xmlns:p14="http://schemas.microsoft.com/office/powerpoint/2010/main" val="2385387890"/>
-      </p:ext>
-    </p:extLst>
   </p:cSld>
   <p:clrMapOvr>
     <a:masterClrMapping/>
@@ -396,6 +374,7 @@
               <a:rPr lang="en-US"/>
               <a:t>Click to edit Master text styles</a:t>
             </a:r>
+            <a:endParaRPr lang="en-US"/>
           </a:p>
           <a:p>
             <a:pPr lvl="1"/>
@@ -403,6 +382,7 @@
               <a:rPr lang="en-US"/>
               <a:t>Second level</a:t>
             </a:r>
+            <a:endParaRPr lang="en-US"/>
           </a:p>
           <a:p>
             <a:pPr lvl="2"/>
@@ -410,6 +390,7 @@
               <a:rPr lang="en-US"/>
               <a:t>Third level</a:t>
             </a:r>
+            <a:endParaRPr lang="en-US"/>
           </a:p>
           <a:p>
             <a:pPr lvl="3"/>
@@ -417,6 +398,7 @@
               <a:rPr lang="en-US"/>
               <a:t>Fourth level</a:t>
             </a:r>
+            <a:endParaRPr lang="en-US"/>
           </a:p>
           <a:p>
             <a:pPr lvl="4"/>
@@ -445,7 +427,6 @@
           <a:p>
             <a:fld id="{846CE7D5-CF57-46EF-B807-FDD0502418D4}" type="datetimeFigureOut">
               <a:rPr lang="en-US" smtClean="0"/>
-              <a:t>12/29/2024</a:t>
             </a:fld>
             <a:endParaRPr lang="en-US"/>
           </a:p>
@@ -487,18 +468,12 @@
           <a:p>
             <a:fld id="{330EA680-D336-4FF7-8B7A-9848BB0A1C32}" type="slidenum">
               <a:rPr lang="en-US" smtClean="0"/>
-              <a:t>‹#›</a:t>
             </a:fld>
             <a:endParaRPr lang="en-US"/>
           </a:p>
         </p:txBody>
       </p:sp>
     </p:spTree>
-    <p:extLst>
-      <p:ext uri="{BB962C8B-B14F-4D97-AF65-F5344CB8AC3E}">
-        <p14:creationId xmlns:p14="http://schemas.microsoft.com/office/powerpoint/2010/main" val="2202905451"/>
-      </p:ext>
-    </p:extLst>
   </p:cSld>
   <p:clrMapOvr>
     <a:masterClrMapping/>
@@ -576,6 +551,7 @@
               <a:rPr lang="en-US"/>
               <a:t>Click to edit Master text styles</a:t>
             </a:r>
+            <a:endParaRPr lang="en-US"/>
           </a:p>
           <a:p>
             <a:pPr lvl="1"/>
@@ -583,6 +559,7 @@
               <a:rPr lang="en-US"/>
               <a:t>Second level</a:t>
             </a:r>
+            <a:endParaRPr lang="en-US"/>
           </a:p>
           <a:p>
             <a:pPr lvl="2"/>
@@ -590,6 +567,7 @@
               <a:rPr lang="en-US"/>
               <a:t>Third level</a:t>
             </a:r>
+            <a:endParaRPr lang="en-US"/>
           </a:p>
           <a:p>
             <a:pPr lvl="3"/>
@@ -597,6 +575,7 @@
               <a:rPr lang="en-US"/>
               <a:t>Fourth level</a:t>
             </a:r>
+            <a:endParaRPr lang="en-US"/>
           </a:p>
           <a:p>
             <a:pPr lvl="4"/>
@@ -625,7 +604,6 @@
           <a:p>
             <a:fld id="{846CE7D5-CF57-46EF-B807-FDD0502418D4}" type="datetimeFigureOut">
               <a:rPr lang="en-US" smtClean="0"/>
-              <a:t>12/29/2024</a:t>
             </a:fld>
             <a:endParaRPr lang="en-US"/>
           </a:p>
@@ -667,18 +645,12 @@
           <a:p>
             <a:fld id="{330EA680-D336-4FF7-8B7A-9848BB0A1C32}" type="slidenum">
               <a:rPr lang="en-US" smtClean="0"/>
-              <a:t>‹#›</a:t>
             </a:fld>
             <a:endParaRPr lang="en-US"/>
           </a:p>
         </p:txBody>
       </p:sp>
     </p:spTree>
-    <p:extLst>
-      <p:ext uri="{BB962C8B-B14F-4D97-AF65-F5344CB8AC3E}">
-        <p14:creationId xmlns:p14="http://schemas.microsoft.com/office/powerpoint/2010/main" val="3479445657"/>
-      </p:ext>
-    </p:extLst>
   </p:cSld>
   <p:clrMapOvr>
     <a:masterClrMapping/>
@@ -746,6 +718,7 @@
               <a:rPr lang="en-US"/>
               <a:t>Click to edit Master text styles</a:t>
             </a:r>
+            <a:endParaRPr lang="en-US"/>
           </a:p>
           <a:p>
             <a:pPr lvl="1"/>
@@ -753,6 +726,7 @@
               <a:rPr lang="en-US"/>
               <a:t>Second level</a:t>
             </a:r>
+            <a:endParaRPr lang="en-US"/>
           </a:p>
           <a:p>
             <a:pPr lvl="2"/>
@@ -760,6 +734,7 @@
               <a:rPr lang="en-US"/>
               <a:t>Third level</a:t>
             </a:r>
+            <a:endParaRPr lang="en-US"/>
           </a:p>
           <a:p>
             <a:pPr lvl="3"/>
@@ -767,6 +742,7 @@
               <a:rPr lang="en-US"/>
               <a:t>Fourth level</a:t>
             </a:r>
+            <a:endParaRPr lang="en-US"/>
           </a:p>
           <a:p>
             <a:pPr lvl="4"/>
@@ -795,7 +771,6 @@
           <a:p>
             <a:fld id="{846CE7D5-CF57-46EF-B807-FDD0502418D4}" type="datetimeFigureOut">
               <a:rPr lang="en-US" smtClean="0"/>
-              <a:t>12/29/2024</a:t>
             </a:fld>
             <a:endParaRPr lang="en-US"/>
           </a:p>
@@ -837,18 +812,12 @@
           <a:p>
             <a:fld id="{330EA680-D336-4FF7-8B7A-9848BB0A1C32}" type="slidenum">
               <a:rPr lang="en-US" smtClean="0"/>
-              <a:t>‹#›</a:t>
             </a:fld>
             <a:endParaRPr lang="en-US"/>
           </a:p>
         </p:txBody>
       </p:sp>
     </p:spTree>
-    <p:extLst>
-      <p:ext uri="{BB962C8B-B14F-4D97-AF65-F5344CB8AC3E}">
-        <p14:creationId xmlns:p14="http://schemas.microsoft.com/office/powerpoint/2010/main" val="949138452"/>
-      </p:ext>
-    </p:extLst>
   </p:cSld>
   <p:clrMapOvr>
     <a:masterClrMapping/>
@@ -1021,6 +990,7 @@
               <a:rPr lang="en-US"/>
               <a:t>Click to edit Master text styles</a:t>
             </a:r>
+            <a:endParaRPr lang="en-US"/>
           </a:p>
         </p:txBody>
       </p:sp>
@@ -1041,7 +1011,6 @@
           <a:p>
             <a:fld id="{846CE7D5-CF57-46EF-B807-FDD0502418D4}" type="datetimeFigureOut">
               <a:rPr lang="en-US" smtClean="0"/>
-              <a:t>12/29/2024</a:t>
             </a:fld>
             <a:endParaRPr lang="en-US"/>
           </a:p>
@@ -1083,18 +1052,12 @@
           <a:p>
             <a:fld id="{330EA680-D336-4FF7-8B7A-9848BB0A1C32}" type="slidenum">
               <a:rPr lang="en-US" smtClean="0"/>
-              <a:t>‹#›</a:t>
             </a:fld>
             <a:endParaRPr lang="en-US"/>
           </a:p>
         </p:txBody>
       </p:sp>
     </p:spTree>
-    <p:extLst>
-      <p:ext uri="{BB962C8B-B14F-4D97-AF65-F5344CB8AC3E}">
-        <p14:creationId xmlns:p14="http://schemas.microsoft.com/office/powerpoint/2010/main" val="2591524520"/>
-      </p:ext>
-    </p:extLst>
   </p:cSld>
   <p:clrMapOvr>
     <a:masterClrMapping/>
@@ -1167,6 +1130,7 @@
               <a:rPr lang="en-US"/>
               <a:t>Click to edit Master text styles</a:t>
             </a:r>
+            <a:endParaRPr lang="en-US"/>
           </a:p>
           <a:p>
             <a:pPr lvl="1"/>
@@ -1174,6 +1138,7 @@
               <a:rPr lang="en-US"/>
               <a:t>Second level</a:t>
             </a:r>
+            <a:endParaRPr lang="en-US"/>
           </a:p>
           <a:p>
             <a:pPr lvl="2"/>
@@ -1181,6 +1146,7 @@
               <a:rPr lang="en-US"/>
               <a:t>Third level</a:t>
             </a:r>
+            <a:endParaRPr lang="en-US"/>
           </a:p>
           <a:p>
             <a:pPr lvl="3"/>
@@ -1188,6 +1154,7 @@
               <a:rPr lang="en-US"/>
               <a:t>Fourth level</a:t>
             </a:r>
+            <a:endParaRPr lang="en-US"/>
           </a:p>
           <a:p>
             <a:pPr lvl="4"/>
@@ -1224,6 +1191,7 @@
               <a:rPr lang="en-US"/>
               <a:t>Click to edit Master text styles</a:t>
             </a:r>
+            <a:endParaRPr lang="en-US"/>
           </a:p>
           <a:p>
             <a:pPr lvl="1"/>
@@ -1231,6 +1199,7 @@
               <a:rPr lang="en-US"/>
               <a:t>Second level</a:t>
             </a:r>
+            <a:endParaRPr lang="en-US"/>
           </a:p>
           <a:p>
             <a:pPr lvl="2"/>
@@ -1238,6 +1207,7 @@
               <a:rPr lang="en-US"/>
               <a:t>Third level</a:t>
             </a:r>
+            <a:endParaRPr lang="en-US"/>
           </a:p>
           <a:p>
             <a:pPr lvl="3"/>
@@ -1245,6 +1215,7 @@
               <a:rPr lang="en-US"/>
               <a:t>Fourth level</a:t>
             </a:r>
+            <a:endParaRPr lang="en-US"/>
           </a:p>
           <a:p>
             <a:pPr lvl="4"/>
@@ -1273,7 +1244,6 @@
           <a:p>
             <a:fld id="{846CE7D5-CF57-46EF-B807-FDD0502418D4}" type="datetimeFigureOut">
               <a:rPr lang="en-US" smtClean="0"/>
-              <a:t>12/29/2024</a:t>
             </a:fld>
             <a:endParaRPr lang="en-US"/>
           </a:p>
@@ -1315,18 +1285,12 @@
           <a:p>
             <a:fld id="{330EA680-D336-4FF7-8B7A-9848BB0A1C32}" type="slidenum">
               <a:rPr lang="en-US" smtClean="0"/>
-              <a:t>‹#›</a:t>
             </a:fld>
             <a:endParaRPr lang="en-US"/>
           </a:p>
         </p:txBody>
       </p:sp>
     </p:spTree>
-    <p:extLst>
-      <p:ext uri="{BB962C8B-B14F-4D97-AF65-F5344CB8AC3E}">
-        <p14:creationId xmlns:p14="http://schemas.microsoft.com/office/powerpoint/2010/main" val="1203092039"/>
-      </p:ext>
-    </p:extLst>
   </p:cSld>
   <p:clrMapOvr>
     <a:masterClrMapping/>
@@ -1441,6 +1405,7 @@
               <a:rPr lang="en-US"/>
               <a:t>Click to edit Master text styles</a:t>
             </a:r>
+            <a:endParaRPr lang="en-US"/>
           </a:p>
         </p:txBody>
       </p:sp>
@@ -1469,6 +1434,7 @@
               <a:rPr lang="en-US"/>
               <a:t>Click to edit Master text styles</a:t>
             </a:r>
+            <a:endParaRPr lang="en-US"/>
           </a:p>
           <a:p>
             <a:pPr lvl="1"/>
@@ -1476,6 +1442,7 @@
               <a:rPr lang="en-US"/>
               <a:t>Second level</a:t>
             </a:r>
+            <a:endParaRPr lang="en-US"/>
           </a:p>
           <a:p>
             <a:pPr lvl="2"/>
@@ -1483,6 +1450,7 @@
               <a:rPr lang="en-US"/>
               <a:t>Third level</a:t>
             </a:r>
+            <a:endParaRPr lang="en-US"/>
           </a:p>
           <a:p>
             <a:pPr lvl="3"/>
@@ -1490,6 +1458,7 @@
               <a:rPr lang="en-US"/>
               <a:t>Fourth level</a:t>
             </a:r>
+            <a:endParaRPr lang="en-US"/>
           </a:p>
           <a:p>
             <a:pPr lvl="4"/>
@@ -1563,6 +1532,7 @@
               <a:rPr lang="en-US"/>
               <a:t>Click to edit Master text styles</a:t>
             </a:r>
+            <a:endParaRPr lang="en-US"/>
           </a:p>
         </p:txBody>
       </p:sp>
@@ -1591,6 +1561,7 @@
               <a:rPr lang="en-US"/>
               <a:t>Click to edit Master text styles</a:t>
             </a:r>
+            <a:endParaRPr lang="en-US"/>
           </a:p>
           <a:p>
             <a:pPr lvl="1"/>
@@ -1598,6 +1569,7 @@
               <a:rPr lang="en-US"/>
               <a:t>Second level</a:t>
             </a:r>
+            <a:endParaRPr lang="en-US"/>
           </a:p>
           <a:p>
             <a:pPr lvl="2"/>
@@ -1605,6 +1577,7 @@
               <a:rPr lang="en-US"/>
               <a:t>Third level</a:t>
             </a:r>
+            <a:endParaRPr lang="en-US"/>
           </a:p>
           <a:p>
             <a:pPr lvl="3"/>
@@ -1612,6 +1585,7 @@
               <a:rPr lang="en-US"/>
               <a:t>Fourth level</a:t>
             </a:r>
+            <a:endParaRPr lang="en-US"/>
           </a:p>
           <a:p>
             <a:pPr lvl="4"/>
@@ -1640,7 +1614,6 @@
           <a:p>
             <a:fld id="{846CE7D5-CF57-46EF-B807-FDD0502418D4}" type="datetimeFigureOut">
               <a:rPr lang="en-US" smtClean="0"/>
-              <a:t>12/29/2024</a:t>
             </a:fld>
             <a:endParaRPr lang="en-US"/>
           </a:p>
@@ -1682,18 +1655,12 @@
           <a:p>
             <a:fld id="{330EA680-D336-4FF7-8B7A-9848BB0A1C32}" type="slidenum">
               <a:rPr lang="en-US" smtClean="0"/>
-              <a:t>‹#›</a:t>
             </a:fld>
             <a:endParaRPr lang="en-US"/>
           </a:p>
         </p:txBody>
       </p:sp>
     </p:spTree>
-    <p:extLst>
-      <p:ext uri="{BB962C8B-B14F-4D97-AF65-F5344CB8AC3E}">
-        <p14:creationId xmlns:p14="http://schemas.microsoft.com/office/powerpoint/2010/main" val="3733172339"/>
-      </p:ext>
-    </p:extLst>
   </p:cSld>
   <p:clrMapOvr>
     <a:masterClrMapping/>
@@ -1758,7 +1725,6 @@
           <a:p>
             <a:fld id="{846CE7D5-CF57-46EF-B807-FDD0502418D4}" type="datetimeFigureOut">
               <a:rPr lang="en-US" smtClean="0"/>
-              <a:t>12/29/2024</a:t>
             </a:fld>
             <a:endParaRPr lang="en-US"/>
           </a:p>
@@ -1800,18 +1766,12 @@
           <a:p>
             <a:fld id="{330EA680-D336-4FF7-8B7A-9848BB0A1C32}" type="slidenum">
               <a:rPr lang="en-US" smtClean="0"/>
-              <a:t>‹#›</a:t>
             </a:fld>
             <a:endParaRPr lang="en-US"/>
           </a:p>
         </p:txBody>
       </p:sp>
     </p:spTree>
-    <p:extLst>
-      <p:ext uri="{BB962C8B-B14F-4D97-AF65-F5344CB8AC3E}">
-        <p14:creationId xmlns:p14="http://schemas.microsoft.com/office/powerpoint/2010/main" val="3210312558"/>
-      </p:ext>
-    </p:extLst>
   </p:cSld>
   <p:clrMapOvr>
     <a:masterClrMapping/>
@@ -1853,7 +1813,6 @@
           <a:p>
             <a:fld id="{846CE7D5-CF57-46EF-B807-FDD0502418D4}" type="datetimeFigureOut">
               <a:rPr lang="en-US" smtClean="0"/>
-              <a:t>12/29/2024</a:t>
             </a:fld>
             <a:endParaRPr lang="en-US"/>
           </a:p>
@@ -1895,18 +1854,12 @@
           <a:p>
             <a:fld id="{330EA680-D336-4FF7-8B7A-9848BB0A1C32}" type="slidenum">
               <a:rPr lang="en-US" smtClean="0"/>
-              <a:t>‹#›</a:t>
             </a:fld>
             <a:endParaRPr lang="en-US"/>
           </a:p>
         </p:txBody>
       </p:sp>
     </p:spTree>
-    <p:extLst>
-      <p:ext uri="{BB962C8B-B14F-4D97-AF65-F5344CB8AC3E}">
-        <p14:creationId xmlns:p14="http://schemas.microsoft.com/office/powerpoint/2010/main" val="3146388984"/>
-      </p:ext>
-    </p:extLst>
   </p:cSld>
   <p:clrMapOvr>
     <a:masterClrMapping/>
@@ -2016,6 +1969,7 @@
               <a:rPr lang="en-US"/>
               <a:t>Click to edit Master text styles</a:t>
             </a:r>
+            <a:endParaRPr lang="en-US"/>
           </a:p>
           <a:p>
             <a:pPr lvl="1"/>
@@ -2023,6 +1977,7 @@
               <a:rPr lang="en-US"/>
               <a:t>Second level</a:t>
             </a:r>
+            <a:endParaRPr lang="en-US"/>
           </a:p>
           <a:p>
             <a:pPr lvl="2"/>
@@ -2030,6 +1985,7 @@
               <a:rPr lang="en-US"/>
               <a:t>Third level</a:t>
             </a:r>
+            <a:endParaRPr lang="en-US"/>
           </a:p>
           <a:p>
             <a:pPr lvl="3"/>
@@ -2037,6 +1993,7 @@
               <a:rPr lang="en-US"/>
               <a:t>Fourth level</a:t>
             </a:r>
+            <a:endParaRPr lang="en-US"/>
           </a:p>
           <a:p>
             <a:pPr lvl="4"/>
@@ -2110,6 +2067,7 @@
               <a:rPr lang="en-US"/>
               <a:t>Click to edit Master text styles</a:t>
             </a:r>
+            <a:endParaRPr lang="en-US"/>
           </a:p>
         </p:txBody>
       </p:sp>
@@ -2130,7 +2088,6 @@
           <a:p>
             <a:fld id="{846CE7D5-CF57-46EF-B807-FDD0502418D4}" type="datetimeFigureOut">
               <a:rPr lang="en-US" smtClean="0"/>
-              <a:t>12/29/2024</a:t>
             </a:fld>
             <a:endParaRPr lang="en-US"/>
           </a:p>
@@ -2172,18 +2129,12 @@
           <a:p>
             <a:fld id="{330EA680-D336-4FF7-8B7A-9848BB0A1C32}" type="slidenum">
               <a:rPr lang="en-US" smtClean="0"/>
-              <a:t>‹#›</a:t>
             </a:fld>
             <a:endParaRPr lang="en-US"/>
           </a:p>
         </p:txBody>
       </p:sp>
     </p:spTree>
-    <p:extLst>
-      <p:ext uri="{BB962C8B-B14F-4D97-AF65-F5344CB8AC3E}">
-        <p14:creationId xmlns:p14="http://schemas.microsoft.com/office/powerpoint/2010/main" val="3171841454"/>
-      </p:ext>
-    </p:extLst>
   </p:cSld>
   <p:clrMapOvr>
     <a:masterClrMapping/>
@@ -2367,6 +2318,7 @@
               <a:rPr lang="en-US"/>
               <a:t>Click to edit Master text styles</a:t>
             </a:r>
+            <a:endParaRPr lang="en-US"/>
           </a:p>
         </p:txBody>
       </p:sp>
@@ -2387,7 +2339,6 @@
           <a:p>
             <a:fld id="{846CE7D5-CF57-46EF-B807-FDD0502418D4}" type="datetimeFigureOut">
               <a:rPr lang="en-US" smtClean="0"/>
-              <a:t>12/29/2024</a:t>
             </a:fld>
             <a:endParaRPr lang="en-US"/>
           </a:p>
@@ -2429,18 +2380,12 @@
           <a:p>
             <a:fld id="{330EA680-D336-4FF7-8B7A-9848BB0A1C32}" type="slidenum">
               <a:rPr lang="en-US" smtClean="0"/>
-              <a:t>‹#›</a:t>
             </a:fld>
             <a:endParaRPr lang="en-US"/>
           </a:p>
         </p:txBody>
       </p:sp>
     </p:spTree>
-    <p:extLst>
-      <p:ext uri="{BB962C8B-B14F-4D97-AF65-F5344CB8AC3E}">
-        <p14:creationId xmlns:p14="http://schemas.microsoft.com/office/powerpoint/2010/main" val="1718958274"/>
-      </p:ext>
-    </p:extLst>
   </p:cSld>
   <p:clrMapOvr>
     <a:masterClrMapping/>
@@ -2533,6 +2478,7 @@
               <a:rPr lang="en-US"/>
               <a:t>Click to edit Master text styles</a:t>
             </a:r>
+            <a:endParaRPr lang="en-US"/>
           </a:p>
           <a:p>
             <a:pPr lvl="1"/>
@@ -2540,6 +2486,7 @@
               <a:rPr lang="en-US"/>
               <a:t>Second level</a:t>
             </a:r>
+            <a:endParaRPr lang="en-US"/>
           </a:p>
           <a:p>
             <a:pPr lvl="2"/>
@@ -2547,6 +2494,7 @@
               <a:rPr lang="en-US"/>
               <a:t>Third level</a:t>
             </a:r>
+            <a:endParaRPr lang="en-US"/>
           </a:p>
           <a:p>
             <a:pPr lvl="3"/>
@@ -2554,6 +2502,7 @@
               <a:rPr lang="en-US"/>
               <a:t>Fourth level</a:t>
             </a:r>
+            <a:endParaRPr lang="en-US"/>
           </a:p>
           <a:p>
             <a:pPr lvl="4"/>
@@ -2600,7 +2549,6 @@
           <a:p>
             <a:fld id="{846CE7D5-CF57-46EF-B807-FDD0502418D4}" type="datetimeFigureOut">
               <a:rPr lang="en-US" smtClean="0"/>
-              <a:t>12/29/2024</a:t>
             </a:fld>
             <a:endParaRPr lang="en-US"/>
           </a:p>
@@ -2678,32 +2626,26 @@
           <a:p>
             <a:fld id="{330EA680-D336-4FF7-8B7A-9848BB0A1C32}" type="slidenum">
               <a:rPr lang="en-US" smtClean="0"/>
-              <a:t>‹#›</a:t>
             </a:fld>
             <a:endParaRPr lang="en-US"/>
           </a:p>
         </p:txBody>
       </p:sp>
     </p:spTree>
-    <p:extLst>
-      <p:ext uri="{BB962C8B-B14F-4D97-AF65-F5344CB8AC3E}">
-        <p14:creationId xmlns:p14="http://schemas.microsoft.com/office/powerpoint/2010/main" val="2460954070"/>
-      </p:ext>
-    </p:extLst>
   </p:cSld>
   <p:clrMap bg1="lt1" tx1="dk1" bg2="lt2" tx2="dk2" accent1="accent1" accent2="accent2" accent3="accent3" accent4="accent4" accent5="accent5" accent6="accent6" hlink="hlink" folHlink="folHlink"/>
   <p:sldLayoutIdLst>
-    <p:sldLayoutId id="2147483661" r:id="rId1"/>
-    <p:sldLayoutId id="2147483662" r:id="rId2"/>
-    <p:sldLayoutId id="2147483663" r:id="rId3"/>
-    <p:sldLayoutId id="2147483664" r:id="rId4"/>
-    <p:sldLayoutId id="2147483665" r:id="rId5"/>
-    <p:sldLayoutId id="2147483666" r:id="rId6"/>
-    <p:sldLayoutId id="2147483667" r:id="rId7"/>
-    <p:sldLayoutId id="2147483668" r:id="rId8"/>
-    <p:sldLayoutId id="2147483669" r:id="rId9"/>
-    <p:sldLayoutId id="2147483670" r:id="rId10"/>
-    <p:sldLayoutId id="2147483671" r:id="rId11"/>
+    <p:sldLayoutId id="2147483649" r:id="rId1"/>
+    <p:sldLayoutId id="2147483650" r:id="rId2"/>
+    <p:sldLayoutId id="2147483651" r:id="rId3"/>
+    <p:sldLayoutId id="2147483652" r:id="rId4"/>
+    <p:sldLayoutId id="2147483653" r:id="rId5"/>
+    <p:sldLayoutId id="2147483654" r:id="rId6"/>
+    <p:sldLayoutId id="2147483655" r:id="rId7"/>
+    <p:sldLayoutId id="2147483656" r:id="rId8"/>
+    <p:sldLayoutId id="2147483657" r:id="rId9"/>
+    <p:sldLayoutId id="2147483658" r:id="rId10"/>
+    <p:sldLayoutId id="2147483659" r:id="rId11"/>
   </p:sldLayoutIdLst>
   <p:txStyles>
     <p:titleStyle>
@@ -2994,7 +2936,7 @@
     <p:bg>
       <p:bgPr>
         <a:blipFill>
-          <a:blip r:embed="rId2"/>
+          <a:blip r:embed="rId1"/>
           <a:stretch>
             <a:fillRect t="-9000" b="-9000"/>
           </a:stretch>
@@ -3060,6 +3002,12 @@
               </a:rPr>
               <a:t>Laravel Lifesavers</a:t>
             </a:r>
+            <a:endParaRPr lang="en-US" dirty="0">
+              <a:solidFill>
+                <a:srgbClr val="172A3D"/>
+              </a:solidFill>
+              <a:latin typeface="Lucida Bright"/>
+            </a:endParaRPr>
           </a:p>
         </p:txBody>
       </p:sp>
@@ -3094,15 +3042,16 @@
               </a:rPr>
               <a:t>Spatie Packages you may need</a:t>
             </a:r>
+            <a:endParaRPr lang="en-US" dirty="0">
+              <a:solidFill>
+                <a:srgbClr val="172A3D"/>
+              </a:solidFill>
+              <a:latin typeface="Abadi"/>
+            </a:endParaRPr>
           </a:p>
         </p:txBody>
       </p:sp>
     </p:spTree>
-    <p:extLst>
-      <p:ext uri="{BB962C8B-B14F-4D97-AF65-F5344CB8AC3E}">
-        <p14:creationId xmlns:p14="http://schemas.microsoft.com/office/powerpoint/2010/main" val="109857222"/>
-      </p:ext>
-    </p:extLst>
   </p:cSld>
   <p:clrMapOvr>
     <a:masterClrMapping/>
@@ -3116,7 +3065,7 @@
     <p:bg>
       <p:bgPr>
         <a:blipFill>
-          <a:blip r:embed="rId2"/>
+          <a:blip r:embed="rId1"/>
           <a:stretch>
             <a:fillRect t="-9000" b="-9000"/>
           </a:stretch>
@@ -3195,23 +3144,17 @@
       </p:sp>
       <p:pic>
         <p:nvPicPr>
-          <p:cNvPr id="4" name="Graphic 3">
-            <a:extLst>
-              <a:ext uri="{FF2B5EF4-FFF2-40B4-BE49-F238E27FC236}">
-                <a16:creationId xmlns:a16="http://schemas.microsoft.com/office/drawing/2014/main" id="{3A5AE17B-1F2E-0D7E-7E53-4FF3CB578EBF}"/>
-              </a:ext>
-            </a:extLst>
-          </p:cNvPr>
+          <p:cNvPr id="4" name="Graphic 3"/>
           <p:cNvPicPr>
             <a:picLocks noChangeAspect="1"/>
           </p:cNvPicPr>
           <p:nvPr/>
         </p:nvPicPr>
         <p:blipFill>
-          <a:blip r:embed="rId3">
+          <a:blip r:embed="rId2">
             <a:extLst>
               <a:ext uri="{96DAC541-7B7A-43D3-8B79-37D633B846F1}">
-                <asvg:svgBlip xmlns:asvg="http://schemas.microsoft.com/office/drawing/2016/SVG/main" r:embed="rId4"/>
+                <asvg:svgBlip xmlns:asvg="http://schemas.microsoft.com/office/drawing/2016/SVG/main" r:embed="rId3"/>
               </a:ext>
             </a:extLst>
           </a:blip>
@@ -3230,11 +3173,6 @@
         </p:spPr>
       </p:pic>
     </p:spTree>
-    <p:extLst>
-      <p:ext uri="{BB962C8B-B14F-4D97-AF65-F5344CB8AC3E}">
-        <p14:creationId xmlns:p14="http://schemas.microsoft.com/office/powerpoint/2010/main" val="1069974652"/>
-      </p:ext>
-    </p:extLst>
   </p:cSld>
   <p:clrMapOvr>
     <a:masterClrMapping/>
@@ -3248,7 +3186,7 @@
     <p:bg>
       <p:bgPr>
         <a:blipFill>
-          <a:blip r:embed="rId2"/>
+          <a:blip r:embed="rId1"/>
           <a:stretch>
             <a:fillRect t="-9000" b="-9000"/>
           </a:stretch>
@@ -3327,23 +3265,17 @@
       </p:sp>
       <p:pic>
         <p:nvPicPr>
-          <p:cNvPr id="4" name="Graphic 3">
-            <a:extLst>
-              <a:ext uri="{FF2B5EF4-FFF2-40B4-BE49-F238E27FC236}">
-                <a16:creationId xmlns:a16="http://schemas.microsoft.com/office/drawing/2014/main" id="{3A5AE17B-1F2E-0D7E-7E53-4FF3CB578EBF}"/>
-              </a:ext>
-            </a:extLst>
-          </p:cNvPr>
+          <p:cNvPr id="4" name="Graphic 3"/>
           <p:cNvPicPr>
             <a:picLocks noChangeAspect="1"/>
           </p:cNvPicPr>
           <p:nvPr/>
         </p:nvPicPr>
         <p:blipFill>
-          <a:blip r:embed="rId3">
+          <a:blip r:embed="rId2">
             <a:extLst>
               <a:ext uri="{96DAC541-7B7A-43D3-8B79-37D633B846F1}">
-                <asvg:svgBlip xmlns:asvg="http://schemas.microsoft.com/office/drawing/2016/SVG/main" r:embed="rId4"/>
+                <asvg:svgBlip xmlns:asvg="http://schemas.microsoft.com/office/drawing/2016/SVG/main" r:embed="rId3"/>
               </a:ext>
             </a:extLst>
           </a:blip>
@@ -3362,11 +3294,6 @@
         </p:spPr>
       </p:pic>
     </p:spTree>
-    <p:extLst>
-      <p:ext uri="{BB962C8B-B14F-4D97-AF65-F5344CB8AC3E}">
-        <p14:creationId xmlns:p14="http://schemas.microsoft.com/office/powerpoint/2010/main" val="3880738640"/>
-      </p:ext>
-    </p:extLst>
   </p:cSld>
   <p:clrMapOvr>
     <a:masterClrMapping/>
@@ -3380,7 +3307,7 @@
     <p:bg>
       <p:bgPr>
         <a:blipFill>
-          <a:blip r:embed="rId2"/>
+          <a:blip r:embed="rId1"/>
           <a:stretch>
             <a:fillRect t="-9000" b="-9000"/>
           </a:stretch>
@@ -3459,23 +3386,17 @@
       </p:sp>
       <p:pic>
         <p:nvPicPr>
-          <p:cNvPr id="4" name="Graphic 3">
-            <a:extLst>
-              <a:ext uri="{FF2B5EF4-FFF2-40B4-BE49-F238E27FC236}">
-                <a16:creationId xmlns:a16="http://schemas.microsoft.com/office/drawing/2014/main" id="{3A5AE17B-1F2E-0D7E-7E53-4FF3CB578EBF}"/>
-              </a:ext>
-            </a:extLst>
-          </p:cNvPr>
+          <p:cNvPr id="4" name="Graphic 3"/>
           <p:cNvPicPr>
             <a:picLocks noChangeAspect="1"/>
           </p:cNvPicPr>
           <p:nvPr/>
         </p:nvPicPr>
         <p:blipFill>
-          <a:blip r:embed="rId3">
+          <a:blip r:embed="rId2">
             <a:extLst>
               <a:ext uri="{96DAC541-7B7A-43D3-8B79-37D633B846F1}">
-                <asvg:svgBlip xmlns:asvg="http://schemas.microsoft.com/office/drawing/2016/SVG/main" r:embed="rId4"/>
+                <asvg:svgBlip xmlns:asvg="http://schemas.microsoft.com/office/drawing/2016/SVG/main" r:embed="rId3"/>
               </a:ext>
             </a:extLst>
           </a:blip>
@@ -3494,11 +3415,6 @@
         </p:spPr>
       </p:pic>
     </p:spTree>
-    <p:extLst>
-      <p:ext uri="{BB962C8B-B14F-4D97-AF65-F5344CB8AC3E}">
-        <p14:creationId xmlns:p14="http://schemas.microsoft.com/office/powerpoint/2010/main" val="1409469373"/>
-      </p:ext>
-    </p:extLst>
   </p:cSld>
   <p:clrMapOvr>
     <a:masterClrMapping/>
@@ -3512,7 +3428,7 @@
     <p:bg>
       <p:bgPr>
         <a:blipFill>
-          <a:blip r:embed="rId2"/>
+          <a:blip r:embed="rId1"/>
           <a:stretch>
             <a:fillRect t="-9000" b="-9000"/>
           </a:stretch>
@@ -3591,23 +3507,17 @@
       </p:sp>
       <p:pic>
         <p:nvPicPr>
-          <p:cNvPr id="4" name="Graphic 3">
-            <a:extLst>
-              <a:ext uri="{FF2B5EF4-FFF2-40B4-BE49-F238E27FC236}">
-                <a16:creationId xmlns:a16="http://schemas.microsoft.com/office/drawing/2014/main" id="{3A5AE17B-1F2E-0D7E-7E53-4FF3CB578EBF}"/>
-              </a:ext>
-            </a:extLst>
-          </p:cNvPr>
+          <p:cNvPr id="4" name="Graphic 3"/>
           <p:cNvPicPr>
             <a:picLocks noChangeAspect="1"/>
           </p:cNvPicPr>
           <p:nvPr/>
         </p:nvPicPr>
         <p:blipFill>
-          <a:blip r:embed="rId3">
+          <a:blip r:embed="rId2">
             <a:extLst>
               <a:ext uri="{96DAC541-7B7A-43D3-8B79-37D633B846F1}">
-                <asvg:svgBlip xmlns:asvg="http://schemas.microsoft.com/office/drawing/2016/SVG/main" r:embed="rId4"/>
+                <asvg:svgBlip xmlns:asvg="http://schemas.microsoft.com/office/drawing/2016/SVG/main" r:embed="rId3"/>
               </a:ext>
             </a:extLst>
           </a:blip>
@@ -3626,11 +3536,6 @@
         </p:spPr>
       </p:pic>
     </p:spTree>
-    <p:extLst>
-      <p:ext uri="{BB962C8B-B14F-4D97-AF65-F5344CB8AC3E}">
-        <p14:creationId xmlns:p14="http://schemas.microsoft.com/office/powerpoint/2010/main" val="3231442077"/>
-      </p:ext>
-    </p:extLst>
   </p:cSld>
   <p:clrMapOvr>
     <a:masterClrMapping/>
@@ -3644,7 +3549,7 @@
     <p:bg>
       <p:bgPr>
         <a:blipFill>
-          <a:blip r:embed="rId2"/>
+          <a:blip r:embed="rId1"/>
           <a:stretch>
             <a:fillRect t="-9000" b="-9000"/>
           </a:stretch>
@@ -3723,23 +3628,17 @@
       </p:sp>
       <p:pic>
         <p:nvPicPr>
-          <p:cNvPr id="4" name="Graphic 3">
-            <a:extLst>
-              <a:ext uri="{FF2B5EF4-FFF2-40B4-BE49-F238E27FC236}">
-                <a16:creationId xmlns:a16="http://schemas.microsoft.com/office/drawing/2014/main" id="{3A5AE17B-1F2E-0D7E-7E53-4FF3CB578EBF}"/>
-              </a:ext>
-            </a:extLst>
-          </p:cNvPr>
+          <p:cNvPr id="4" name="Graphic 3"/>
           <p:cNvPicPr>
             <a:picLocks noChangeAspect="1"/>
           </p:cNvPicPr>
           <p:nvPr/>
         </p:nvPicPr>
         <p:blipFill>
-          <a:blip r:embed="rId3">
+          <a:blip r:embed="rId2">
             <a:extLst>
               <a:ext uri="{96DAC541-7B7A-43D3-8B79-37D633B846F1}">
-                <asvg:svgBlip xmlns:asvg="http://schemas.microsoft.com/office/drawing/2016/SVG/main" r:embed="rId4"/>
+                <asvg:svgBlip xmlns:asvg="http://schemas.microsoft.com/office/drawing/2016/SVG/main" r:embed="rId3"/>
               </a:ext>
             </a:extLst>
           </a:blip>
@@ -3758,11 +3657,6 @@
         </p:spPr>
       </p:pic>
     </p:spTree>
-    <p:extLst>
-      <p:ext uri="{BB962C8B-B14F-4D97-AF65-F5344CB8AC3E}">
-        <p14:creationId xmlns:p14="http://schemas.microsoft.com/office/powerpoint/2010/main" val="2415145743"/>
-      </p:ext>
-    </p:extLst>
   </p:cSld>
   <p:clrMapOvr>
     <a:masterClrMapping/>
@@ -3776,7 +3670,7 @@
     <p:bg>
       <p:bgPr>
         <a:blipFill>
-          <a:blip r:embed="rId2"/>
+          <a:blip r:embed="rId1"/>
           <a:stretch>
             <a:fillRect t="-9000" b="-9000"/>
           </a:stretch>
@@ -3855,23 +3749,17 @@
       </p:sp>
       <p:pic>
         <p:nvPicPr>
-          <p:cNvPr id="4" name="Graphic 3">
-            <a:extLst>
-              <a:ext uri="{FF2B5EF4-FFF2-40B4-BE49-F238E27FC236}">
-                <a16:creationId xmlns:a16="http://schemas.microsoft.com/office/drawing/2014/main" id="{3A5AE17B-1F2E-0D7E-7E53-4FF3CB578EBF}"/>
-              </a:ext>
-            </a:extLst>
-          </p:cNvPr>
+          <p:cNvPr id="4" name="Graphic 3"/>
           <p:cNvPicPr>
             <a:picLocks noChangeAspect="1"/>
           </p:cNvPicPr>
           <p:nvPr/>
         </p:nvPicPr>
         <p:blipFill>
-          <a:blip r:embed="rId3">
+          <a:blip r:embed="rId2">
             <a:extLst>
               <a:ext uri="{96DAC541-7B7A-43D3-8B79-37D633B846F1}">
-                <asvg:svgBlip xmlns:asvg="http://schemas.microsoft.com/office/drawing/2016/SVG/main" r:embed="rId4"/>
+                <asvg:svgBlip xmlns:asvg="http://schemas.microsoft.com/office/drawing/2016/SVG/main" r:embed="rId3"/>
               </a:ext>
             </a:extLst>
           </a:blip>
@@ -3890,11 +3778,6 @@
         </p:spPr>
       </p:pic>
     </p:spTree>
-    <p:extLst>
-      <p:ext uri="{BB962C8B-B14F-4D97-AF65-F5344CB8AC3E}">
-        <p14:creationId xmlns:p14="http://schemas.microsoft.com/office/powerpoint/2010/main" val="3465200903"/>
-      </p:ext>
-    </p:extLst>
   </p:cSld>
   <p:clrMapOvr>
     <a:masterClrMapping/>
@@ -3908,7 +3791,7 @@
     <p:bg>
       <p:bgPr>
         <a:blipFill>
-          <a:blip r:embed="rId2"/>
+          <a:blip r:embed="rId1"/>
           <a:stretch>
             <a:fillRect t="-9000" b="-9000"/>
           </a:stretch>
@@ -3987,23 +3870,17 @@
       </p:sp>
       <p:pic>
         <p:nvPicPr>
-          <p:cNvPr id="4" name="Graphic 3">
-            <a:extLst>
-              <a:ext uri="{FF2B5EF4-FFF2-40B4-BE49-F238E27FC236}">
-                <a16:creationId xmlns:a16="http://schemas.microsoft.com/office/drawing/2014/main" id="{3A5AE17B-1F2E-0D7E-7E53-4FF3CB578EBF}"/>
-              </a:ext>
-            </a:extLst>
-          </p:cNvPr>
+          <p:cNvPr id="4" name="Graphic 3"/>
           <p:cNvPicPr>
             <a:picLocks noChangeAspect="1"/>
           </p:cNvPicPr>
           <p:nvPr/>
         </p:nvPicPr>
         <p:blipFill>
-          <a:blip r:embed="rId3">
+          <a:blip r:embed="rId2">
             <a:extLst>
               <a:ext uri="{96DAC541-7B7A-43D3-8B79-37D633B846F1}">
-                <asvg:svgBlip xmlns:asvg="http://schemas.microsoft.com/office/drawing/2016/SVG/main" r:embed="rId4"/>
+                <asvg:svgBlip xmlns:asvg="http://schemas.microsoft.com/office/drawing/2016/SVG/main" r:embed="rId3"/>
               </a:ext>
             </a:extLst>
           </a:blip>
@@ -4022,11 +3899,6 @@
         </p:spPr>
       </p:pic>
     </p:spTree>
-    <p:extLst>
-      <p:ext uri="{BB962C8B-B14F-4D97-AF65-F5344CB8AC3E}">
-        <p14:creationId xmlns:p14="http://schemas.microsoft.com/office/powerpoint/2010/main" val="1436603848"/>
-      </p:ext>
-    </p:extLst>
   </p:cSld>
   <p:clrMapOvr>
     <a:masterClrMapping/>
@@ -4040,7 +3912,7 @@
     <p:bg>
       <p:bgPr>
         <a:blipFill>
-          <a:blip r:embed="rId2"/>
+          <a:blip r:embed="rId1"/>
           <a:stretch>
             <a:fillRect t="-9000" b="-9000"/>
           </a:stretch>
@@ -4119,23 +3991,17 @@
       </p:sp>
       <p:pic>
         <p:nvPicPr>
-          <p:cNvPr id="4" name="Graphic 3">
-            <a:extLst>
-              <a:ext uri="{FF2B5EF4-FFF2-40B4-BE49-F238E27FC236}">
-                <a16:creationId xmlns:a16="http://schemas.microsoft.com/office/drawing/2014/main" id="{3A5AE17B-1F2E-0D7E-7E53-4FF3CB578EBF}"/>
-              </a:ext>
-            </a:extLst>
-          </p:cNvPr>
+          <p:cNvPr id="4" name="Graphic 3"/>
           <p:cNvPicPr>
             <a:picLocks noChangeAspect="1"/>
           </p:cNvPicPr>
           <p:nvPr/>
         </p:nvPicPr>
         <p:blipFill>
-          <a:blip r:embed="rId3">
+          <a:blip r:embed="rId2">
             <a:extLst>
               <a:ext uri="{96DAC541-7B7A-43D3-8B79-37D633B846F1}">
-                <asvg:svgBlip xmlns:asvg="http://schemas.microsoft.com/office/drawing/2016/SVG/main" r:embed="rId4"/>
+                <asvg:svgBlip xmlns:asvg="http://schemas.microsoft.com/office/drawing/2016/SVG/main" r:embed="rId3"/>
               </a:ext>
             </a:extLst>
           </a:blip>
@@ -4154,11 +4020,6 @@
         </p:spPr>
       </p:pic>
     </p:spTree>
-    <p:extLst>
-      <p:ext uri="{BB962C8B-B14F-4D97-AF65-F5344CB8AC3E}">
-        <p14:creationId xmlns:p14="http://schemas.microsoft.com/office/powerpoint/2010/main" val="907451187"/>
-      </p:ext>
-    </p:extLst>
   </p:cSld>
   <p:clrMapOvr>
     <a:masterClrMapping/>
@@ -4172,7 +4033,7 @@
     <p:bg>
       <p:bgPr>
         <a:blipFill>
-          <a:blip r:embed="rId2"/>
+          <a:blip r:embed="rId1"/>
           <a:stretch>
             <a:fillRect t="-9000" b="-9000"/>
           </a:stretch>
@@ -4251,23 +4112,17 @@
       </p:sp>
       <p:pic>
         <p:nvPicPr>
-          <p:cNvPr id="4" name="Graphic 3">
-            <a:extLst>
-              <a:ext uri="{FF2B5EF4-FFF2-40B4-BE49-F238E27FC236}">
-                <a16:creationId xmlns:a16="http://schemas.microsoft.com/office/drawing/2014/main" id="{3A5AE17B-1F2E-0D7E-7E53-4FF3CB578EBF}"/>
-              </a:ext>
-            </a:extLst>
-          </p:cNvPr>
+          <p:cNvPr id="4" name="Graphic 3"/>
           <p:cNvPicPr>
             <a:picLocks noChangeAspect="1"/>
           </p:cNvPicPr>
           <p:nvPr/>
         </p:nvPicPr>
         <p:blipFill>
-          <a:blip r:embed="rId3">
+          <a:blip r:embed="rId2">
             <a:extLst>
               <a:ext uri="{96DAC541-7B7A-43D3-8B79-37D633B846F1}">
-                <asvg:svgBlip xmlns:asvg="http://schemas.microsoft.com/office/drawing/2016/SVG/main" r:embed="rId4"/>
+                <asvg:svgBlip xmlns:asvg="http://schemas.microsoft.com/office/drawing/2016/SVG/main" r:embed="rId3"/>
               </a:ext>
             </a:extLst>
           </a:blip>
@@ -4286,11 +4141,6 @@
         </p:spPr>
       </p:pic>
     </p:spTree>
-    <p:extLst>
-      <p:ext uri="{BB962C8B-B14F-4D97-AF65-F5344CB8AC3E}">
-        <p14:creationId xmlns:p14="http://schemas.microsoft.com/office/powerpoint/2010/main" val="778353385"/>
-      </p:ext>
-    </p:extLst>
   </p:cSld>
   <p:clrMapOvr>
     <a:masterClrMapping/>
@@ -4304,7 +4154,7 @@
     <p:bg>
       <p:bgPr>
         <a:blipFill>
-          <a:blip r:embed="rId2"/>
+          <a:blip r:embed="rId1"/>
           <a:stretch>
             <a:fillRect t="-9000" b="-9000"/>
           </a:stretch>
@@ -4383,23 +4233,17 @@
       </p:sp>
       <p:pic>
         <p:nvPicPr>
-          <p:cNvPr id="4" name="Graphic 3">
-            <a:extLst>
-              <a:ext uri="{FF2B5EF4-FFF2-40B4-BE49-F238E27FC236}">
-                <a16:creationId xmlns:a16="http://schemas.microsoft.com/office/drawing/2014/main" id="{3A5AE17B-1F2E-0D7E-7E53-4FF3CB578EBF}"/>
-              </a:ext>
-            </a:extLst>
-          </p:cNvPr>
+          <p:cNvPr id="4" name="Graphic 3"/>
           <p:cNvPicPr>
             <a:picLocks noChangeAspect="1"/>
           </p:cNvPicPr>
           <p:nvPr/>
         </p:nvPicPr>
         <p:blipFill>
-          <a:blip r:embed="rId3">
+          <a:blip r:embed="rId2">
             <a:extLst>
               <a:ext uri="{96DAC541-7B7A-43D3-8B79-37D633B846F1}">
-                <asvg:svgBlip xmlns:asvg="http://schemas.microsoft.com/office/drawing/2016/SVG/main" r:embed="rId4"/>
+                <asvg:svgBlip xmlns:asvg="http://schemas.microsoft.com/office/drawing/2016/SVG/main" r:embed="rId3"/>
               </a:ext>
             </a:extLst>
           </a:blip>
@@ -4418,11 +4262,6 @@
         </p:spPr>
       </p:pic>
     </p:spTree>
-    <p:extLst>
-      <p:ext uri="{BB962C8B-B14F-4D97-AF65-F5344CB8AC3E}">
-        <p14:creationId xmlns:p14="http://schemas.microsoft.com/office/powerpoint/2010/main" val="179538481"/>
-      </p:ext>
-    </p:extLst>
   </p:cSld>
   <p:clrMapOvr>
     <a:masterClrMapping/>
@@ -4436,7 +4275,7 @@
     <p:bg>
       <p:bgPr>
         <a:blipFill>
-          <a:blip r:embed="rId2"/>
+          <a:blip r:embed="rId1"/>
           <a:stretch>
             <a:fillRect t="-9000" b="-9000"/>
           </a:stretch>
@@ -4513,27 +4352,15 @@
       </p:sp>
       <p:graphicFrame>
         <p:nvGraphicFramePr>
-          <p:cNvPr id="9" name="Table 8">
-            <a:extLst>
-              <a:ext uri="{FF2B5EF4-FFF2-40B4-BE49-F238E27FC236}">
-                <a16:creationId xmlns:a16="http://schemas.microsoft.com/office/drawing/2014/main" id="{83393870-A0A3-3B65-F9FA-E1D111B42990}"/>
-              </a:ext>
-            </a:extLst>
-          </p:cNvPr>
+          <p:cNvPr id="9" name="Table 8"/>
           <p:cNvGraphicFramePr>
             <a:graphicFrameLocks noGrp="1"/>
           </p:cNvGraphicFramePr>
-          <p:nvPr>
-            <p:extLst>
-              <p:ext uri="{D42A27DB-BD31-4B8C-83A1-F6EECF244321}">
-                <p14:modId xmlns:p14="http://schemas.microsoft.com/office/powerpoint/2010/main" val="1157832551"/>
-              </p:ext>
-            </p:extLst>
-          </p:nvPr>
+          <p:nvPr/>
         </p:nvGraphicFramePr>
         <p:xfrm>
           <a:off x="1496290" y="1011381"/>
-          <a:ext cx="9193884" cy="4795260"/>
+          <a:ext cx="9194165" cy="4794885"/>
         </p:xfrm>
         <a:graphic>
           <a:graphicData uri="http://schemas.openxmlformats.org/drawingml/2006/table">
@@ -4542,20 +4369,8 @@
                 <a:tableStyleId>{5202B0CA-FC54-4496-8BCA-5EF66A818D29}</a:tableStyleId>
               </a:tblPr>
               <a:tblGrid>
-                <a:gridCol w="4596942">
-                  <a:extLst>
-                    <a:ext uri="{9D8B030D-6E8A-4147-A177-3AD203B41FA5}">
-                      <a16:colId xmlns:a16="http://schemas.microsoft.com/office/drawing/2014/main" val="769520806"/>
-                    </a:ext>
-                  </a:extLst>
-                </a:gridCol>
-                <a:gridCol w="4596942">
-                  <a:extLst>
-                    <a:ext uri="{9D8B030D-6E8A-4147-A177-3AD203B41FA5}">
-                      <a16:colId xmlns:a16="http://schemas.microsoft.com/office/drawing/2014/main" val="3462715249"/>
-                    </a:ext>
-                  </a:extLst>
-                </a:gridCol>
+                <a:gridCol w="4596942"/>
+                <a:gridCol w="4596942"/>
               </a:tblGrid>
               <a:tr h="479526">
                 <a:tc>
@@ -4573,6 +4388,12 @@
                         </a:rPr>
                         <a:t>LARAVEL BACKUP</a:t>
                       </a:r>
+                      <a:endParaRPr lang="en-US" b="1" dirty="0">
+                        <a:solidFill>
+                          <a:srgbClr val="FFFFFF"/>
+                        </a:solidFill>
+                        <a:latin typeface="Abadi"/>
+                      </a:endParaRPr>
                     </a:p>
                   </a:txBody>
                   <a:tcPr anchor="ctr">
@@ -4598,6 +4419,12 @@
                         </a:rPr>
                         <a:t>LARAVEL ACTIVITY LOG</a:t>
                       </a:r>
+                      <a:endParaRPr lang="en-US" b="1" dirty="0">
+                        <a:solidFill>
+                          <a:srgbClr val="FFFFFF"/>
+                        </a:solidFill>
+                        <a:latin typeface="Abadi"/>
+                      </a:endParaRPr>
                     </a:p>
                   </a:txBody>
                   <a:tcPr anchor="ctr">
@@ -4608,13 +4435,8 @@
                     </a:solidFill>
                   </a:tcPr>
                 </a:tc>
-                <a:extLst>
-                  <a:ext uri="{0D108BD9-81ED-4DB2-BD59-A6C34878D82A}">
-                    <a16:rowId xmlns:a16="http://schemas.microsoft.com/office/drawing/2014/main" val="2237661608"/>
-                  </a:ext>
-                </a:extLst>
               </a:tr>
-              <a:tr h="479526">
+              <a:tr h="479425">
                 <a:tc>
                   <a:txBody>
                     <a:bodyPr/>
@@ -4630,8 +4452,14 @@
                           </a:solidFill>
                           <a:latin typeface="Abadi"/>
                         </a:rPr>
-                        <a:t>SIMPLE EXCEL</a:t>
+                        <a:t>LARAVEL MEDIALIBRARY</a:t>
                       </a:r>
+                      <a:endParaRPr lang="en-US" b="1" dirty="0">
+                        <a:solidFill>
+                          <a:srgbClr val="FFFFFF"/>
+                        </a:solidFill>
+                        <a:latin typeface="Abadi"/>
+                      </a:endParaRPr>
                     </a:p>
                   </a:txBody>
                   <a:tcPr anchor="ctr">
@@ -4659,6 +4487,12 @@
                         </a:rPr>
                         <a:t>LARAVEL QUERY BUILDER</a:t>
                       </a:r>
+                      <a:endParaRPr lang="en-US" b="1" dirty="0">
+                        <a:solidFill>
+                          <a:srgbClr val="FFFFFF"/>
+                        </a:solidFill>
+                        <a:latin typeface="Abadi"/>
+                      </a:endParaRPr>
                     </a:p>
                   </a:txBody>
                   <a:tcPr anchor="ctr">
@@ -4669,11 +4503,6 @@
                     </a:solidFill>
                   </a:tcPr>
                 </a:tc>
-                <a:extLst>
-                  <a:ext uri="{0D108BD9-81ED-4DB2-BD59-A6C34878D82A}">
-                    <a16:rowId xmlns:a16="http://schemas.microsoft.com/office/drawing/2014/main" val="2290081191"/>
-                  </a:ext>
-                </a:extLst>
               </a:tr>
               <a:tr h="479526">
                 <a:tc>
@@ -4693,6 +4522,12 @@
                         </a:rPr>
                         <a:t>LARAVEL TRANSLATABLE</a:t>
                       </a:r>
+                      <a:endParaRPr lang="en-US" b="1" dirty="0">
+                        <a:solidFill>
+                          <a:srgbClr val="FFFFFF"/>
+                        </a:solidFill>
+                        <a:latin typeface="Abadi"/>
+                      </a:endParaRPr>
                     </a:p>
                   </a:txBody>
                   <a:tcPr anchor="ctr">
@@ -4718,8 +4553,14 @@
                           </a:solidFill>
                           <a:latin typeface="Abadi"/>
                         </a:rPr>
-                        <a:t>LARAVEL MEDIALIBRARY</a:t>
+                        <a:t>IMAGE OPTIMIZER</a:t>
                       </a:r>
+                      <a:endParaRPr lang="en-US" b="1" dirty="0">
+                        <a:solidFill>
+                          <a:srgbClr val="FFFFFF"/>
+                        </a:solidFill>
+                        <a:latin typeface="Abadi"/>
+                      </a:endParaRPr>
                     </a:p>
                   </a:txBody>
                   <a:tcPr anchor="ctr">
@@ -4730,11 +4571,6 @@
                     </a:solidFill>
                   </a:tcPr>
                 </a:tc>
-                <a:extLst>
-                  <a:ext uri="{0D108BD9-81ED-4DB2-BD59-A6C34878D82A}">
-                    <a16:rowId xmlns:a16="http://schemas.microsoft.com/office/drawing/2014/main" val="3421402734"/>
-                  </a:ext>
-                </a:extLst>
               </a:tr>
               <a:tr h="479526">
                 <a:tc>
@@ -4752,63 +4588,12 @@
                         </a:rPr>
                         <a:t>LARAVEL TAGS</a:t>
                       </a:r>
-                    </a:p>
-                  </a:txBody>
-                  <a:tcPr anchor="ctr">
-                    <a:solidFill>
-                      <a:srgbClr val="197593">
-                        <a:alpha val="54000"/>
-                      </a:srgbClr>
-                    </a:solidFill>
-                  </a:tcPr>
-                </a:tc>
-                <a:tc>
-                  <a:txBody>
-                    <a:bodyPr/>
-                    <a:lstStyle/>
-                    <a:p>
-                      <a:pPr algn="ctr"/>
-                      <a:r>
-                        <a:rPr lang="en-US" b="1" dirty="0">
-                          <a:solidFill>
-                            <a:srgbClr val="FFFFFF"/>
-                          </a:solidFill>
-                          <a:latin typeface="Abadi"/>
-                        </a:rPr>
-                        <a:t>IMAGE OPTIMIZER</a:t>
-                      </a:r>
-                    </a:p>
-                  </a:txBody>
-                  <a:tcPr anchor="ctr">
-                    <a:solidFill>
-                      <a:srgbClr val="197593">
-                        <a:alpha val="54000"/>
-                      </a:srgbClr>
-                    </a:solidFill>
-                  </a:tcPr>
-                </a:tc>
-                <a:extLst>
-                  <a:ext uri="{0D108BD9-81ED-4DB2-BD59-A6C34878D82A}">
-                    <a16:rowId xmlns:a16="http://schemas.microsoft.com/office/drawing/2014/main" val="3039215030"/>
-                  </a:ext>
-                </a:extLst>
-              </a:tr>
-              <a:tr h="479526">
-                <a:tc>
-                  <a:txBody>
-                    <a:bodyPr/>
-                    <a:lstStyle/>
-                    <a:p>
-                      <a:pPr algn="ctr"/>
-                      <a:r>
-                        <a:rPr lang="en-US" b="1" dirty="0">
-                          <a:solidFill>
-                            <a:srgbClr val="FFFFFF"/>
-                          </a:solidFill>
-                          <a:latin typeface="Abadi"/>
-                        </a:rPr>
-                        <a:t>OPENING HOURS</a:t>
-                      </a:r>
+                      <a:endParaRPr lang="en-US" b="1" dirty="0">
+                        <a:solidFill>
+                          <a:srgbClr val="FFFFFF"/>
+                        </a:solidFill>
+                        <a:latin typeface="Abadi"/>
+                      </a:endParaRPr>
                     </a:p>
                   </a:txBody>
                   <a:tcPr anchor="ctr">
@@ -4834,6 +4619,12 @@
                         </a:rPr>
                         <a:t>LARAVEL HONEYPOT</a:t>
                       </a:r>
+                      <a:endParaRPr lang="en-US" b="1" dirty="0">
+                        <a:solidFill>
+                          <a:srgbClr val="FFFFFF"/>
+                        </a:solidFill>
+                        <a:latin typeface="Abadi"/>
+                      </a:endParaRPr>
                     </a:p>
                   </a:txBody>
                   <a:tcPr anchor="ctr">
@@ -4844,11 +4635,71 @@
                     </a:solidFill>
                   </a:tcPr>
                 </a:tc>
-                <a:extLst>
-                  <a:ext uri="{0D108BD9-81ED-4DB2-BD59-A6C34878D82A}">
-                    <a16:rowId xmlns:a16="http://schemas.microsoft.com/office/drawing/2014/main" val="3186671576"/>
-                  </a:ext>
-                </a:extLst>
+              </a:tr>
+              <a:tr h="479526">
+                <a:tc>
+                  <a:txBody>
+                    <a:bodyPr/>
+                    <a:lstStyle/>
+                    <a:p>
+                      <a:pPr algn="ctr"/>
+                      <a:r>
+                        <a:rPr lang="en-US" b="1" dirty="0">
+                          <a:solidFill>
+                            <a:srgbClr val="FFFFFF"/>
+                          </a:solidFill>
+                          <a:latin typeface="Abadi"/>
+                        </a:rPr>
+                        <a:t>OPENING HOURS</a:t>
+                      </a:r>
+                      <a:endParaRPr lang="en-US" b="1" dirty="0">
+                        <a:solidFill>
+                          <a:srgbClr val="FFFFFF"/>
+                        </a:solidFill>
+                        <a:latin typeface="Abadi"/>
+                      </a:endParaRPr>
+                    </a:p>
+                  </a:txBody>
+                  <a:tcPr anchor="ctr">
+                    <a:solidFill>
+                      <a:srgbClr val="197593">
+                        <a:alpha val="54000"/>
+                      </a:srgbClr>
+                    </a:solidFill>
+                  </a:tcPr>
+                </a:tc>
+                <a:tc>
+                  <a:txBody>
+                    <a:bodyPr/>
+                    <a:lstStyle/>
+                    <a:p>
+                      <a:pPr algn="ctr"/>
+                      <a:r>
+                        <a:rPr lang="en-US" sz="1800" b="1" dirty="0">
+                          <a:solidFill>
+                            <a:srgbClr val="FFFFFF"/>
+                          </a:solidFill>
+                          <a:latin typeface="Abadi"/>
+                          <a:sym typeface="+mn-ea"/>
+                        </a:rPr>
+                        <a:t>LARAVEL SCHEMALESS ATTRIBUTES</a:t>
+                      </a:r>
+                      <a:endParaRPr lang="en-US" b="1" dirty="0">
+                        <a:solidFill>
+                          <a:srgbClr val="FFFFFF"/>
+                        </a:solidFill>
+                        <a:latin typeface="Abadi"/>
+                      </a:endParaRPr>
+                    </a:p>
+                  </a:txBody>
+                  <a:tcPr anchor="ctr">
+                    <a:solidFill>
+                      <a:srgbClr val="197593">
+                        <a:alpha val="54000"/>
+                      </a:srgbClr>
+                    </a:solidFill>
+                  </a:tcPr>
+                </a:tc>
               </a:tr>
               <a:tr h="479526">
                 <a:tc>
@@ -4866,63 +4717,12 @@
                         </a:rPr>
                         <a:t>REGEX</a:t>
                       </a:r>
-                    </a:p>
-                  </a:txBody>
-                  <a:tcPr anchor="ctr">
-                    <a:solidFill>
-                      <a:srgbClr val="197593">
-                        <a:alpha val="54000"/>
-                      </a:srgbClr>
-                    </a:solidFill>
-                  </a:tcPr>
-                </a:tc>
-                <a:tc>
-                  <a:txBody>
-                    <a:bodyPr/>
-                    <a:lstStyle/>
-                    <a:p>
-                      <a:pPr algn="ctr"/>
-                      <a:r>
-                        <a:rPr lang="en-US" b="1" dirty="0">
-                          <a:solidFill>
-                            <a:srgbClr val="FFFFFF"/>
-                          </a:solidFill>
-                          <a:latin typeface="Abadi"/>
-                        </a:rPr>
-                        <a:t>LARAVEL SCHEMALESS ATTRIBUTES</a:t>
-                      </a:r>
-                    </a:p>
-                  </a:txBody>
-                  <a:tcPr anchor="ctr">
-                    <a:solidFill>
-                      <a:srgbClr val="197593">
-                        <a:alpha val="54000"/>
-                      </a:srgbClr>
-                    </a:solidFill>
-                  </a:tcPr>
-                </a:tc>
-                <a:extLst>
-                  <a:ext uri="{0D108BD9-81ED-4DB2-BD59-A6C34878D82A}">
-                    <a16:rowId xmlns:a16="http://schemas.microsoft.com/office/drawing/2014/main" val="2900884419"/>
-                  </a:ext>
-                </a:extLst>
-              </a:tr>
-              <a:tr h="479526">
-                <a:tc>
-                  <a:txBody>
-                    <a:bodyPr/>
-                    <a:lstStyle/>
-                    <a:p>
-                      <a:pPr algn="ctr"/>
-                      <a:r>
-                        <a:rPr lang="en-US" b="1" dirty="0">
-                          <a:solidFill>
-                            <a:srgbClr val="FFFFFF"/>
-                          </a:solidFill>
-                          <a:latin typeface="Abadi"/>
-                        </a:rPr>
-                        <a:t>LARAVEL HEALTH</a:t>
-                      </a:r>
+                      <a:endParaRPr lang="en-US" b="1" dirty="0">
+                        <a:solidFill>
+                          <a:srgbClr val="FFFFFF"/>
+                        </a:solidFill>
+                        <a:latin typeface="Abadi"/>
+                      </a:endParaRPr>
                     </a:p>
                   </a:txBody>
                   <a:tcPr anchor="ctr">
@@ -4948,6 +4748,12 @@
                         </a:rPr>
                         <a:t>LARAVEL PDF</a:t>
                       </a:r>
+                      <a:endParaRPr lang="en-US" b="1" dirty="0">
+                        <a:solidFill>
+                          <a:srgbClr val="FFFFFF"/>
+                        </a:solidFill>
+                        <a:latin typeface="Abadi"/>
+                      </a:endParaRPr>
                     </a:p>
                   </a:txBody>
                   <a:tcPr anchor="ctr">
@@ -4958,11 +4764,6 @@
                     </a:solidFill>
                   </a:tcPr>
                 </a:tc>
-                <a:extLst>
-                  <a:ext uri="{0D108BD9-81ED-4DB2-BD59-A6C34878D82A}">
-                    <a16:rowId xmlns:a16="http://schemas.microsoft.com/office/drawing/2014/main" val="3193228677"/>
-                  </a:ext>
-                </a:extLst>
               </a:tr>
               <a:tr h="479526">
                 <a:tc>
@@ -4978,8 +4779,14 @@
                           </a:solidFill>
                           <a:latin typeface="Abadi"/>
                         </a:rPr>
-                        <a:t>LARAVEL CSP</a:t>
+                        <a:t>LARAVEL HEALTH</a:t>
                       </a:r>
+                      <a:endParaRPr lang="en-US" b="1" dirty="0">
+                        <a:solidFill>
+                          <a:srgbClr val="FFFFFF"/>
+                        </a:solidFill>
+                        <a:latin typeface="Abadi"/>
+                      </a:endParaRPr>
                     </a:p>
                   </a:txBody>
                   <a:tcPr anchor="ctr">
@@ -5005,6 +4812,12 @@
                         </a:rPr>
                         <a:t>LARAVEL SCHEDULE MONITOR</a:t>
                       </a:r>
+                      <a:endParaRPr lang="en-US" b="1" dirty="0">
+                        <a:solidFill>
+                          <a:srgbClr val="FFFFFF"/>
+                        </a:solidFill>
+                        <a:latin typeface="Abadi"/>
+                      </a:endParaRPr>
                     </a:p>
                   </a:txBody>
                   <a:tcPr anchor="ctr">
@@ -5015,11 +4828,6 @@
                     </a:solidFill>
                   </a:tcPr>
                 </a:tc>
-                <a:extLst>
-                  <a:ext uri="{0D108BD9-81ED-4DB2-BD59-A6C34878D82A}">
-                    <a16:rowId xmlns:a16="http://schemas.microsoft.com/office/drawing/2014/main" val="610263632"/>
-                  </a:ext>
-                </a:extLst>
               </a:tr>
               <a:tr h="479526">
                 <a:tc>
@@ -5035,8 +4843,14 @@
                           </a:solidFill>
                           <a:latin typeface="Abadi"/>
                         </a:rPr>
-                        <a:t>LARAVEL RESPONSECACHE</a:t>
+                        <a:t>LARAVEL CSP</a:t>
                       </a:r>
+                      <a:endParaRPr lang="en-US" b="1" dirty="0">
+                        <a:solidFill>
+                          <a:srgbClr val="FFFFFF"/>
+                        </a:solidFill>
+                        <a:latin typeface="Abadi"/>
+                      </a:endParaRPr>
                     </a:p>
                   </a:txBody>
                   <a:tcPr anchor="ctr">
@@ -5062,6 +4876,12 @@
                         </a:rPr>
                         <a:t>LARAVEL WEB TINKER</a:t>
                       </a:r>
+                      <a:endParaRPr lang="en-US" b="1" dirty="0">
+                        <a:solidFill>
+                          <a:srgbClr val="FFFFFF"/>
+                        </a:solidFill>
+                        <a:latin typeface="Abadi"/>
+                      </a:endParaRPr>
                     </a:p>
                   </a:txBody>
                   <a:tcPr anchor="ctr">
@@ -5072,11 +4892,6 @@
                     </a:solidFill>
                   </a:tcPr>
                 </a:tc>
-                <a:extLst>
-                  <a:ext uri="{0D108BD9-81ED-4DB2-BD59-A6C34878D82A}">
-                    <a16:rowId xmlns:a16="http://schemas.microsoft.com/office/drawing/2014/main" val="461154722"/>
-                  </a:ext>
-                </a:extLst>
               </a:tr>
               <a:tr h="479526">
                 <a:tc>
@@ -5092,8 +4907,14 @@
                           </a:solidFill>
                           <a:latin typeface="Abadi"/>
                         </a:rPr>
-                        <a:t>LARAVEL SIGNAL AWARE COMMAND</a:t>
+                        <a:t>LARAVEL RESPONSECACHE</a:t>
                       </a:r>
+                      <a:endParaRPr lang="en-US" b="1" dirty="0">
+                        <a:solidFill>
+                          <a:srgbClr val="FFFFFF"/>
+                        </a:solidFill>
+                        <a:latin typeface="Abadi"/>
+                      </a:endParaRPr>
                     </a:p>
                   </a:txBody>
                   <a:tcPr anchor="ctr">
@@ -5119,6 +4940,12 @@
                         </a:rPr>
                         <a:t>LARAVEL QUICK LOGIN</a:t>
                       </a:r>
+                      <a:endParaRPr lang="en-US" b="1" dirty="0">
+                        <a:solidFill>
+                          <a:srgbClr val="FFFFFF"/>
+                        </a:solidFill>
+                        <a:latin typeface="Abadi"/>
+                      </a:endParaRPr>
                     </a:p>
                   </a:txBody>
                   <a:tcPr anchor="ctr">
@@ -5129,22 +4956,67 @@
                     </a:solidFill>
                   </a:tcPr>
                 </a:tc>
-                <a:extLst>
-                  <a:ext uri="{0D108BD9-81ED-4DB2-BD59-A6C34878D82A}">
-                    <a16:rowId xmlns:a16="http://schemas.microsoft.com/office/drawing/2014/main" val="1349207233"/>
-                  </a:ext>
-                </a:extLst>
+              </a:tr>
+              <a:tr h="479526">
+                <a:tc>
+                  <a:txBody>
+                    <a:bodyPr/>
+                    <a:lstStyle/>
+                    <a:p>
+                      <a:pPr algn="ctr"/>
+                      <a:r>
+                        <a:rPr lang="en-US" b="1" dirty="0">
+                          <a:solidFill>
+                            <a:srgbClr val="FFFFFF"/>
+                          </a:solidFill>
+                          <a:latin typeface="Abadi"/>
+                        </a:rPr>
+                        <a:t>LARAVEL SIGNAL AWARE COMMAND</a:t>
+                      </a:r>
+                      <a:endParaRPr lang="en-US" b="1" dirty="0">
+                        <a:solidFill>
+                          <a:srgbClr val="FFFFFF"/>
+                        </a:solidFill>
+                        <a:latin typeface="Abadi"/>
+                      </a:endParaRPr>
+                    </a:p>
+                  </a:txBody>
+                  <a:tcPr anchor="ctr">
+                    <a:solidFill>
+                      <a:srgbClr val="197593">
+                        <a:alpha val="54000"/>
+                      </a:srgbClr>
+                    </a:solidFill>
+                  </a:tcPr>
+                </a:tc>
+                <a:tc>
+                  <a:txBody>
+                    <a:bodyPr/>
+                    <a:lstStyle/>
+                    <a:p>
+                      <a:pPr algn="ctr"/>
+                      <a:endParaRPr lang="en-US" b="1" dirty="0">
+                        <a:solidFill>
+                          <a:srgbClr val="FFFFFF"/>
+                        </a:solidFill>
+                        <a:latin typeface="Abadi"/>
+                      </a:endParaRPr>
+                    </a:p>
+                  </a:txBody>
+                  <a:tcPr anchor="ctr">
+                    <a:solidFill>
+                      <a:srgbClr val="197593">
+                        <a:alpha val="54000"/>
+                      </a:srgbClr>
+                    </a:solidFill>
+                  </a:tcPr>
+                </a:tc>
               </a:tr>
             </a:tbl>
           </a:graphicData>
         </a:graphic>
       </p:graphicFrame>
     </p:spTree>
-    <p:extLst>
-      <p:ext uri="{BB962C8B-B14F-4D97-AF65-F5344CB8AC3E}">
-        <p14:creationId xmlns:p14="http://schemas.microsoft.com/office/powerpoint/2010/main" val="3950055317"/>
-      </p:ext>
-    </p:extLst>
   </p:cSld>
   <p:clrMapOvr>
     <a:masterClrMapping/>
@@ -5158,7 +5030,7 @@
     <p:bg>
       <p:bgPr>
         <a:blipFill>
-          <a:blip r:embed="rId2"/>
+          <a:blip r:embed="rId1"/>
           <a:stretch>
             <a:fillRect t="-9000" b="-9000"/>
           </a:stretch>
@@ -5237,23 +5109,17 @@
       </p:sp>
       <p:pic>
         <p:nvPicPr>
-          <p:cNvPr id="4" name="Graphic 3">
-            <a:extLst>
-              <a:ext uri="{FF2B5EF4-FFF2-40B4-BE49-F238E27FC236}">
-                <a16:creationId xmlns:a16="http://schemas.microsoft.com/office/drawing/2014/main" id="{3A5AE17B-1F2E-0D7E-7E53-4FF3CB578EBF}"/>
-              </a:ext>
-            </a:extLst>
-          </p:cNvPr>
+          <p:cNvPr id="4" name="Graphic 3"/>
           <p:cNvPicPr>
             <a:picLocks noChangeAspect="1"/>
           </p:cNvPicPr>
           <p:nvPr/>
         </p:nvPicPr>
         <p:blipFill>
-          <a:blip r:embed="rId3">
+          <a:blip r:embed="rId2">
             <a:extLst>
               <a:ext uri="{96DAC541-7B7A-43D3-8B79-37D633B846F1}">
-                <asvg:svgBlip xmlns:asvg="http://schemas.microsoft.com/office/drawing/2016/SVG/main" r:embed="rId4"/>
+                <asvg:svgBlip xmlns:asvg="http://schemas.microsoft.com/office/drawing/2016/SVG/main" r:embed="rId3"/>
               </a:ext>
             </a:extLst>
           </a:blip>
@@ -5272,11 +5138,6 @@
         </p:spPr>
       </p:pic>
     </p:spTree>
-    <p:extLst>
-      <p:ext uri="{BB962C8B-B14F-4D97-AF65-F5344CB8AC3E}">
-        <p14:creationId xmlns:p14="http://schemas.microsoft.com/office/powerpoint/2010/main" val="627210652"/>
-      </p:ext>
-    </p:extLst>
   </p:cSld>
   <p:clrMapOvr>
     <a:masterClrMapping/>
@@ -5290,7 +5151,7 @@
     <p:bg>
       <p:bgPr>
         <a:blipFill>
-          <a:blip r:embed="rId2"/>
+          <a:blip r:embed="rId1"/>
           <a:stretch>
             <a:fillRect t="-9000" b="-9000"/>
           </a:stretch>
@@ -5369,23 +5230,17 @@
       </p:sp>
       <p:pic>
         <p:nvPicPr>
-          <p:cNvPr id="4" name="Graphic 3">
-            <a:extLst>
-              <a:ext uri="{FF2B5EF4-FFF2-40B4-BE49-F238E27FC236}">
-                <a16:creationId xmlns:a16="http://schemas.microsoft.com/office/drawing/2014/main" id="{3A5AE17B-1F2E-0D7E-7E53-4FF3CB578EBF}"/>
-              </a:ext>
-            </a:extLst>
-          </p:cNvPr>
+          <p:cNvPr id="4" name="Graphic 3"/>
           <p:cNvPicPr>
             <a:picLocks noChangeAspect="1"/>
           </p:cNvPicPr>
           <p:nvPr/>
         </p:nvPicPr>
         <p:blipFill>
-          <a:blip r:embed="rId3">
+          <a:blip r:embed="rId2">
             <a:extLst>
               <a:ext uri="{96DAC541-7B7A-43D3-8B79-37D633B846F1}">
-                <asvg:svgBlip xmlns:asvg="http://schemas.microsoft.com/office/drawing/2016/SVG/main" r:embed="rId4"/>
+                <asvg:svgBlip xmlns:asvg="http://schemas.microsoft.com/office/drawing/2016/SVG/main" r:embed="rId3"/>
               </a:ext>
             </a:extLst>
           </a:blip>
@@ -5404,11 +5259,6 @@
         </p:spPr>
       </p:pic>
     </p:spTree>
-    <p:extLst>
-      <p:ext uri="{BB962C8B-B14F-4D97-AF65-F5344CB8AC3E}">
-        <p14:creationId xmlns:p14="http://schemas.microsoft.com/office/powerpoint/2010/main" val="3703689273"/>
-      </p:ext>
-    </p:extLst>
   </p:cSld>
   <p:clrMapOvr>
     <a:masterClrMapping/>
@@ -5422,7 +5272,7 @@
     <p:bg>
       <p:bgPr>
         <a:blipFill>
-          <a:blip r:embed="rId2"/>
+          <a:blip r:embed="rId1"/>
           <a:stretch>
             <a:fillRect t="-9000" b="-9000"/>
           </a:stretch>
@@ -5501,23 +5351,17 @@
       </p:sp>
       <p:pic>
         <p:nvPicPr>
-          <p:cNvPr id="4" name="Graphic 3">
-            <a:extLst>
-              <a:ext uri="{FF2B5EF4-FFF2-40B4-BE49-F238E27FC236}">
-                <a16:creationId xmlns:a16="http://schemas.microsoft.com/office/drawing/2014/main" id="{3A5AE17B-1F2E-0D7E-7E53-4FF3CB578EBF}"/>
-              </a:ext>
-            </a:extLst>
-          </p:cNvPr>
+          <p:cNvPr id="4" name="Graphic 3"/>
           <p:cNvPicPr>
             <a:picLocks noChangeAspect="1"/>
           </p:cNvPicPr>
           <p:nvPr/>
         </p:nvPicPr>
         <p:blipFill>
-          <a:blip r:embed="rId3">
+          <a:blip r:embed="rId2">
             <a:extLst>
               <a:ext uri="{96DAC541-7B7A-43D3-8B79-37D633B846F1}">
-                <asvg:svgBlip xmlns:asvg="http://schemas.microsoft.com/office/drawing/2016/SVG/main" r:embed="rId4"/>
+                <asvg:svgBlip xmlns:asvg="http://schemas.microsoft.com/office/drawing/2016/SVG/main" r:embed="rId3"/>
               </a:ext>
             </a:extLst>
           </a:blip>
@@ -5527,8 +5371,8 @@
         </p:blipFill>
         <p:spPr>
           <a:xfrm>
-            <a:off x="1946565" y="2184169"/>
-            <a:ext cx="8298870" cy="2489661"/>
+            <a:off x="1957451" y="2184169"/>
+            <a:ext cx="8277097" cy="2489661"/>
           </a:xfrm>
           <a:prstGeom prst="rect">
             <a:avLst/>
@@ -5536,11 +5380,6 @@
         </p:spPr>
       </p:pic>
     </p:spTree>
-    <p:extLst>
-      <p:ext uri="{BB962C8B-B14F-4D97-AF65-F5344CB8AC3E}">
-        <p14:creationId xmlns:p14="http://schemas.microsoft.com/office/powerpoint/2010/main" val="3774198467"/>
-      </p:ext>
-    </p:extLst>
   </p:cSld>
   <p:clrMapOvr>
     <a:masterClrMapping/>
@@ -5554,7 +5393,7 @@
     <p:bg>
       <p:bgPr>
         <a:blipFill>
-          <a:blip r:embed="rId2"/>
+          <a:blip r:embed="rId1"/>
           <a:stretch>
             <a:fillRect t="-9000" b="-9000"/>
           </a:stretch>
@@ -5618,49 +5457,78 @@
                 </a:solidFill>
                 <a:latin typeface="Abadi"/>
               </a:rPr>
-              <a:t> </a:t>
-            </a:r>
-            <a:endParaRPr lang="en-US" dirty="0">
+              <a:t> W</a:t>
+            </a:r>
+            <a:endParaRPr lang="en-US" dirty="0" err="1">
               <a:solidFill>
                 <a:srgbClr val="172A3D"/>
               </a:solidFill>
               <a:latin typeface="Abadi"/>
-              <a:ea typeface="+mn-lt"/>
-              <a:cs typeface="+mn-lt"/>
             </a:endParaRPr>
+          </a:p>
+        </p:txBody>
+      </p:sp>
+      <p:sp>
+        <p:nvSpPr>
+          <p:cNvPr id="2" name="Rectangle 1"/>
+          <p:cNvSpPr/>
+          <p:nvPr/>
+        </p:nvSpPr>
+        <p:spPr>
+          <a:xfrm>
+            <a:off x="3200399" y="651163"/>
+            <a:ext cx="5791201" cy="5514107"/>
+          </a:xfrm>
+          <a:prstGeom prst="roundRect">
+            <a:avLst/>
+          </a:prstGeom>
+          <a:solidFill>
+            <a:srgbClr val="FFFFFF"/>
+          </a:solidFill>
+        </p:spPr>
+        <p:style>
+          <a:lnRef idx="2">
+            <a:schemeClr val="accent1">
+              <a:shade val="15000"/>
+            </a:schemeClr>
+          </a:lnRef>
+          <a:fillRef idx="1">
+            <a:schemeClr val="accent1"/>
+          </a:fillRef>
+          <a:effectRef idx="0">
+            <a:schemeClr val="accent1"/>
+          </a:effectRef>
+          <a:fontRef idx="minor">
+            <a:schemeClr val="lt1"/>
+          </a:fontRef>
+        </p:style>
+        <p:txBody>
+          <a:bodyPr rtlCol="0" anchor="ctr"/>
+          <a:lstStyle/>
+          <a:p>
+            <a:pPr algn="ctr"/>
+            <a:endParaRPr lang="en-US"/>
           </a:p>
         </p:txBody>
       </p:sp>
       <p:pic>
         <p:nvPicPr>
-          <p:cNvPr id="4" name="Graphic 3">
-            <a:extLst>
-              <a:ext uri="{FF2B5EF4-FFF2-40B4-BE49-F238E27FC236}">
-                <a16:creationId xmlns:a16="http://schemas.microsoft.com/office/drawing/2014/main" id="{3A5AE17B-1F2E-0D7E-7E53-4FF3CB578EBF}"/>
-              </a:ext>
-            </a:extLst>
-          </p:cNvPr>
+          <p:cNvPr id="5" name="Picture 4" descr="A qr code with dots"/>
           <p:cNvPicPr>
             <a:picLocks noChangeAspect="1"/>
           </p:cNvPicPr>
           <p:nvPr/>
         </p:nvPicPr>
         <p:blipFill>
-          <a:blip r:embed="rId3">
-            <a:extLst>
-              <a:ext uri="{96DAC541-7B7A-43D3-8B79-37D633B846F1}">
-                <asvg:svgBlip xmlns:asvg="http://schemas.microsoft.com/office/drawing/2016/SVG/main" r:embed="rId4"/>
-              </a:ext>
-            </a:extLst>
-          </a:blip>
+          <a:blip r:embed="rId2"/>
           <a:stretch>
             <a:fillRect/>
           </a:stretch>
         </p:blipFill>
         <p:spPr>
           <a:xfrm>
-            <a:off x="1957451" y="2184169"/>
-            <a:ext cx="8277097" cy="2489661"/>
+            <a:off x="3498273" y="969818"/>
+            <a:ext cx="5195455" cy="4876799"/>
           </a:xfrm>
           <a:prstGeom prst="rect">
             <a:avLst/>
@@ -5668,11 +5536,6 @@
         </p:spPr>
       </p:pic>
     </p:spTree>
-    <p:extLst>
-      <p:ext uri="{BB962C8B-B14F-4D97-AF65-F5344CB8AC3E}">
-        <p14:creationId xmlns:p14="http://schemas.microsoft.com/office/powerpoint/2010/main" val="3427456832"/>
-      </p:ext>
-    </p:extLst>
   </p:cSld>
   <p:clrMapOvr>
     <a:masterClrMapping/>
@@ -5680,13 +5543,13 @@
 </p:sld>
 </file>
 
-<file path=ppt/slides/slide24.xml><?xml version="1.0" encoding="utf-8"?>
+<file path=ppt/slides/slide3.xml><?xml version="1.0" encoding="utf-8"?>
 <p:sld xmlns:a="http://schemas.openxmlformats.org/drawingml/2006/main" xmlns:r="http://schemas.openxmlformats.org/officeDocument/2006/relationships" xmlns:p="http://schemas.openxmlformats.org/presentationml/2006/main">
   <p:cSld>
     <p:bg>
       <p:bgPr>
         <a:blipFill>
-          <a:blip r:embed="rId2"/>
+          <a:blip r:embed="rId1"/>
           <a:stretch>
             <a:fillRect t="-9000" b="-9000"/>
           </a:stretch>
@@ -5750,90 +5613,43 @@
                 </a:solidFill>
                 <a:latin typeface="Abadi"/>
               </a:rPr>
-              <a:t> W</a:t>
-            </a:r>
-            <a:endParaRPr lang="en-US" dirty="0" err="1">
+              <a:t> </a:t>
+            </a:r>
+            <a:endParaRPr lang="en-US" dirty="0">
               <a:solidFill>
                 <a:srgbClr val="172A3D"/>
               </a:solidFill>
               <a:latin typeface="Abadi"/>
+              <a:ea typeface="+mn-lt"/>
+              <a:cs typeface="+mn-lt"/>
             </a:endParaRPr>
-          </a:p>
-        </p:txBody>
-      </p:sp>
-      <p:sp>
-        <p:nvSpPr>
-          <p:cNvPr id="2" name="Rectangle 1">
-            <a:extLst>
-              <a:ext uri="{FF2B5EF4-FFF2-40B4-BE49-F238E27FC236}">
-                <a16:creationId xmlns:a16="http://schemas.microsoft.com/office/drawing/2014/main" id="{0CE81A35-AFC7-FB3E-4DE1-0646BB70FDCC}"/>
-              </a:ext>
-            </a:extLst>
-          </p:cNvPr>
-          <p:cNvSpPr/>
-          <p:nvPr/>
-        </p:nvSpPr>
-        <p:spPr>
-          <a:xfrm>
-            <a:off x="3200399" y="651163"/>
-            <a:ext cx="5791201" cy="5514107"/>
-          </a:xfrm>
-          <a:prstGeom prst="roundRect">
-            <a:avLst/>
-          </a:prstGeom>
-          <a:solidFill>
-            <a:srgbClr val="FFFFFF"/>
-          </a:solidFill>
-        </p:spPr>
-        <p:style>
-          <a:lnRef idx="2">
-            <a:schemeClr val="accent1">
-              <a:shade val="15000"/>
-            </a:schemeClr>
-          </a:lnRef>
-          <a:fillRef idx="1">
-            <a:schemeClr val="accent1"/>
-          </a:fillRef>
-          <a:effectRef idx="0">
-            <a:schemeClr val="accent1"/>
-          </a:effectRef>
-          <a:fontRef idx="minor">
-            <a:schemeClr val="lt1"/>
-          </a:fontRef>
-        </p:style>
-        <p:txBody>
-          <a:bodyPr rtlCol="0" anchor="ctr"/>
-          <a:lstStyle/>
-          <a:p>
-            <a:pPr algn="ctr"/>
-            <a:endParaRPr lang="en-US"/>
           </a:p>
         </p:txBody>
       </p:sp>
       <p:pic>
         <p:nvPicPr>
-          <p:cNvPr id="5" name="Picture 4" descr="A qr code with dots">
-            <a:extLst>
-              <a:ext uri="{FF2B5EF4-FFF2-40B4-BE49-F238E27FC236}">
-                <a16:creationId xmlns:a16="http://schemas.microsoft.com/office/drawing/2014/main" id="{94ED8D7C-0082-1DE8-084B-588DD7307D85}"/>
-              </a:ext>
-            </a:extLst>
-          </p:cNvPr>
+          <p:cNvPr id="4" name="Graphic 3"/>
           <p:cNvPicPr>
             <a:picLocks noChangeAspect="1"/>
           </p:cNvPicPr>
           <p:nvPr/>
         </p:nvPicPr>
         <p:blipFill>
-          <a:blip r:embed="rId3"/>
+          <a:blip r:embed="rId2">
+            <a:extLst>
+              <a:ext uri="{96DAC541-7B7A-43D3-8B79-37D633B846F1}">
+                <asvg:svgBlip xmlns:asvg="http://schemas.microsoft.com/office/drawing/2016/SVG/main" r:embed="rId3"/>
+              </a:ext>
+            </a:extLst>
+          </a:blip>
           <a:stretch>
             <a:fillRect/>
           </a:stretch>
         </p:blipFill>
         <p:spPr>
           <a:xfrm>
-            <a:off x="3498273" y="969818"/>
-            <a:ext cx="5195455" cy="4876799"/>
+            <a:off x="1946565" y="2178628"/>
+            <a:ext cx="8298871" cy="2500744"/>
           </a:xfrm>
           <a:prstGeom prst="rect">
             <a:avLst/>
@@ -5841,11 +5657,6 @@
         </p:spPr>
       </p:pic>
     </p:spTree>
-    <p:extLst>
-      <p:ext uri="{BB962C8B-B14F-4D97-AF65-F5344CB8AC3E}">
-        <p14:creationId xmlns:p14="http://schemas.microsoft.com/office/powerpoint/2010/main" val="2237447551"/>
-      </p:ext>
-    </p:extLst>
   </p:cSld>
   <p:clrMapOvr>
     <a:masterClrMapping/>
@@ -5853,13 +5664,13 @@
 </p:sld>
 </file>
 
-<file path=ppt/slides/slide3.xml><?xml version="1.0" encoding="utf-8"?>
+<file path=ppt/slides/slide4.xml><?xml version="1.0" encoding="utf-8"?>
 <p:sld xmlns:a="http://schemas.openxmlformats.org/drawingml/2006/main" xmlns:r="http://schemas.openxmlformats.org/officeDocument/2006/relationships" xmlns:p="http://schemas.openxmlformats.org/presentationml/2006/main">
   <p:cSld>
     <p:bg>
       <p:bgPr>
         <a:blipFill>
-          <a:blip r:embed="rId2"/>
+          <a:blip r:embed="rId1"/>
           <a:stretch>
             <a:fillRect t="-9000" b="-9000"/>
           </a:stretch>
@@ -5938,23 +5749,17 @@
       </p:sp>
       <p:pic>
         <p:nvPicPr>
-          <p:cNvPr id="4" name="Graphic 3">
-            <a:extLst>
-              <a:ext uri="{FF2B5EF4-FFF2-40B4-BE49-F238E27FC236}">
-                <a16:creationId xmlns:a16="http://schemas.microsoft.com/office/drawing/2014/main" id="{3A5AE17B-1F2E-0D7E-7E53-4FF3CB578EBF}"/>
-              </a:ext>
-            </a:extLst>
-          </p:cNvPr>
+          <p:cNvPr id="4" name="Graphic 3"/>
           <p:cNvPicPr>
             <a:picLocks noChangeAspect="1"/>
           </p:cNvPicPr>
           <p:nvPr/>
         </p:nvPicPr>
         <p:blipFill>
-          <a:blip r:embed="rId3">
+          <a:blip r:embed="rId2">
             <a:extLst>
               <a:ext uri="{96DAC541-7B7A-43D3-8B79-37D633B846F1}">
-                <asvg:svgBlip xmlns:asvg="http://schemas.microsoft.com/office/drawing/2016/SVG/main" r:embed="rId4"/>
+                <asvg:svgBlip xmlns:asvg="http://schemas.microsoft.com/office/drawing/2016/SVG/main" r:embed="rId3"/>
               </a:ext>
             </a:extLst>
           </a:blip>
@@ -5964,8 +5769,8 @@
         </p:blipFill>
         <p:spPr>
           <a:xfrm>
-            <a:off x="1946565" y="2178628"/>
-            <a:ext cx="8298871" cy="2500744"/>
+            <a:off x="1946565" y="2184169"/>
+            <a:ext cx="8298871" cy="2489661"/>
           </a:xfrm>
           <a:prstGeom prst="rect">
             <a:avLst/>
@@ -5973,11 +5778,6 @@
         </p:spPr>
       </p:pic>
     </p:spTree>
-    <p:extLst>
-      <p:ext uri="{BB962C8B-B14F-4D97-AF65-F5344CB8AC3E}">
-        <p14:creationId xmlns:p14="http://schemas.microsoft.com/office/powerpoint/2010/main" val="2106747316"/>
-      </p:ext>
-    </p:extLst>
   </p:cSld>
   <p:clrMapOvr>
     <a:masterClrMapping/>
@@ -5985,13 +5785,13 @@
 </p:sld>
 </file>
 
-<file path=ppt/slides/slide4.xml><?xml version="1.0" encoding="utf-8"?>
+<file path=ppt/slides/slide5.xml><?xml version="1.0" encoding="utf-8"?>
 <p:sld xmlns:a="http://schemas.openxmlformats.org/drawingml/2006/main" xmlns:r="http://schemas.openxmlformats.org/officeDocument/2006/relationships" xmlns:p="http://schemas.openxmlformats.org/presentationml/2006/main">
   <p:cSld>
     <p:bg>
       <p:bgPr>
         <a:blipFill>
-          <a:blip r:embed="rId2"/>
+          <a:blip r:embed="rId1"/>
           <a:stretch>
             <a:fillRect t="-9000" b="-9000"/>
           </a:stretch>
@@ -6070,23 +5870,17 @@
       </p:sp>
       <p:pic>
         <p:nvPicPr>
-          <p:cNvPr id="4" name="Graphic 3">
-            <a:extLst>
-              <a:ext uri="{FF2B5EF4-FFF2-40B4-BE49-F238E27FC236}">
-                <a16:creationId xmlns:a16="http://schemas.microsoft.com/office/drawing/2014/main" id="{3A5AE17B-1F2E-0D7E-7E53-4FF3CB578EBF}"/>
-              </a:ext>
-            </a:extLst>
-          </p:cNvPr>
+          <p:cNvPr id="4" name="Graphic 3"/>
           <p:cNvPicPr>
             <a:picLocks noChangeAspect="1"/>
           </p:cNvPicPr>
           <p:nvPr/>
         </p:nvPicPr>
         <p:blipFill>
-          <a:blip r:embed="rId3">
+          <a:blip r:embed="rId2">
             <a:extLst>
               <a:ext uri="{96DAC541-7B7A-43D3-8B79-37D633B846F1}">
-                <asvg:svgBlip xmlns:asvg="http://schemas.microsoft.com/office/drawing/2016/SVG/main" r:embed="rId4"/>
+                <asvg:svgBlip xmlns:asvg="http://schemas.microsoft.com/office/drawing/2016/SVG/main" r:embed="rId3"/>
               </a:ext>
             </a:extLst>
           </a:blip>
@@ -6097,7 +5891,7 @@
         <p:spPr>
           <a:xfrm>
             <a:off x="1946565" y="2184169"/>
-            <a:ext cx="8298871" cy="2489661"/>
+            <a:ext cx="8298870" cy="2489661"/>
           </a:xfrm>
           <a:prstGeom prst="rect">
             <a:avLst/>
@@ -6105,11 +5899,6 @@
         </p:spPr>
       </p:pic>
     </p:spTree>
-    <p:extLst>
-      <p:ext uri="{BB962C8B-B14F-4D97-AF65-F5344CB8AC3E}">
-        <p14:creationId xmlns:p14="http://schemas.microsoft.com/office/powerpoint/2010/main" val="9766140"/>
-      </p:ext>
-    </p:extLst>
   </p:cSld>
   <p:clrMapOvr>
     <a:masterClrMapping/>
@@ -6117,13 +5906,13 @@
 </p:sld>
 </file>
 
-<file path=ppt/slides/slide5.xml><?xml version="1.0" encoding="utf-8"?>
+<file path=ppt/slides/slide6.xml><?xml version="1.0" encoding="utf-8"?>
 <p:sld xmlns:a="http://schemas.openxmlformats.org/drawingml/2006/main" xmlns:r="http://schemas.openxmlformats.org/officeDocument/2006/relationships" xmlns:p="http://schemas.openxmlformats.org/presentationml/2006/main">
   <p:cSld>
     <p:bg>
       <p:bgPr>
         <a:blipFill>
-          <a:blip r:embed="rId2"/>
+          <a:blip r:embed="rId1"/>
           <a:stretch>
             <a:fillRect t="-9000" b="-9000"/>
           </a:stretch>
@@ -6202,26 +5991,14 @@
       </p:sp>
       <p:pic>
         <p:nvPicPr>
-          <p:cNvPr id="4" name="Graphic 3">
-            <a:extLst>
-              <a:ext uri="{FF2B5EF4-FFF2-40B4-BE49-F238E27FC236}">
-                <a16:creationId xmlns:a16="http://schemas.microsoft.com/office/drawing/2014/main" id="{3A5AE17B-1F2E-0D7E-7E53-4FF3CB578EBF}"/>
-              </a:ext>
-            </a:extLst>
-          </p:cNvPr>
+          <p:cNvPr id="4" name="Graphic 3"/>
           <p:cNvPicPr>
             <a:picLocks noChangeAspect="1"/>
           </p:cNvPicPr>
           <p:nvPr/>
         </p:nvPicPr>
         <p:blipFill>
-          <a:blip r:embed="rId3">
-            <a:extLst>
-              <a:ext uri="{96DAC541-7B7A-43D3-8B79-37D633B846F1}">
-                <asvg:svgBlip xmlns:asvg="http://schemas.microsoft.com/office/drawing/2016/SVG/main" r:embed="rId4"/>
-              </a:ext>
-            </a:extLst>
-          </a:blip>
+          <a:blip r:embed="rId2"/>
           <a:stretch>
             <a:fillRect/>
           </a:stretch>
@@ -6237,11 +6014,6 @@
         </p:spPr>
       </p:pic>
     </p:spTree>
-    <p:extLst>
-      <p:ext uri="{BB962C8B-B14F-4D97-AF65-F5344CB8AC3E}">
-        <p14:creationId xmlns:p14="http://schemas.microsoft.com/office/powerpoint/2010/main" val="892343664"/>
-      </p:ext>
-    </p:extLst>
   </p:cSld>
   <p:clrMapOvr>
     <a:masterClrMapping/>
@@ -6249,13 +6021,13 @@
 </p:sld>
 </file>
 
-<file path=ppt/slides/slide6.xml><?xml version="1.0" encoding="utf-8"?>
+<file path=ppt/slides/slide7.xml><?xml version="1.0" encoding="utf-8"?>
 <p:sld xmlns:a="http://schemas.openxmlformats.org/drawingml/2006/main" xmlns:r="http://schemas.openxmlformats.org/officeDocument/2006/relationships" xmlns:p="http://schemas.openxmlformats.org/presentationml/2006/main">
   <p:cSld>
     <p:bg>
       <p:bgPr>
         <a:blipFill>
-          <a:blip r:embed="rId2"/>
+          <a:blip r:embed="rId1"/>
           <a:stretch>
             <a:fillRect t="-9000" b="-9000"/>
           </a:stretch>
@@ -6334,23 +6106,17 @@
       </p:sp>
       <p:pic>
         <p:nvPicPr>
-          <p:cNvPr id="4" name="Graphic 3">
-            <a:extLst>
-              <a:ext uri="{FF2B5EF4-FFF2-40B4-BE49-F238E27FC236}">
-                <a16:creationId xmlns:a16="http://schemas.microsoft.com/office/drawing/2014/main" id="{3A5AE17B-1F2E-0D7E-7E53-4FF3CB578EBF}"/>
-              </a:ext>
-            </a:extLst>
-          </p:cNvPr>
+          <p:cNvPr id="4" name="Graphic 3"/>
           <p:cNvPicPr>
             <a:picLocks noChangeAspect="1"/>
           </p:cNvPicPr>
           <p:nvPr/>
         </p:nvPicPr>
         <p:blipFill>
-          <a:blip r:embed="rId3">
+          <a:blip r:embed="rId2">
             <a:extLst>
               <a:ext uri="{96DAC541-7B7A-43D3-8B79-37D633B846F1}">
-                <asvg:svgBlip xmlns:asvg="http://schemas.microsoft.com/office/drawing/2016/SVG/main" r:embed="rId4"/>
+                <asvg:svgBlip xmlns:asvg="http://schemas.microsoft.com/office/drawing/2016/SVG/main" r:embed="rId3"/>
               </a:ext>
             </a:extLst>
           </a:blip>
@@ -6369,11 +6135,6 @@
         </p:spPr>
       </p:pic>
     </p:spTree>
-    <p:extLst>
-      <p:ext uri="{BB962C8B-B14F-4D97-AF65-F5344CB8AC3E}">
-        <p14:creationId xmlns:p14="http://schemas.microsoft.com/office/powerpoint/2010/main" val="2979857557"/>
-      </p:ext>
-    </p:extLst>
   </p:cSld>
   <p:clrMapOvr>
     <a:masterClrMapping/>
@@ -6381,13 +6142,13 @@
 </p:sld>
 </file>
 
-<file path=ppt/slides/slide7.xml><?xml version="1.0" encoding="utf-8"?>
+<file path=ppt/slides/slide8.xml><?xml version="1.0" encoding="utf-8"?>
 <p:sld xmlns:a="http://schemas.openxmlformats.org/drawingml/2006/main" xmlns:r="http://schemas.openxmlformats.org/officeDocument/2006/relationships" xmlns:p="http://schemas.openxmlformats.org/presentationml/2006/main">
   <p:cSld>
     <p:bg>
       <p:bgPr>
         <a:blipFill>
-          <a:blip r:embed="rId2"/>
+          <a:blip r:embed="rId1"/>
           <a:stretch>
             <a:fillRect t="-9000" b="-9000"/>
           </a:stretch>
@@ -6466,23 +6227,17 @@
       </p:sp>
       <p:pic>
         <p:nvPicPr>
-          <p:cNvPr id="4" name="Graphic 3">
-            <a:extLst>
-              <a:ext uri="{FF2B5EF4-FFF2-40B4-BE49-F238E27FC236}">
-                <a16:creationId xmlns:a16="http://schemas.microsoft.com/office/drawing/2014/main" id="{3A5AE17B-1F2E-0D7E-7E53-4FF3CB578EBF}"/>
-              </a:ext>
-            </a:extLst>
-          </p:cNvPr>
+          <p:cNvPr id="4" name="Graphic 3"/>
           <p:cNvPicPr>
             <a:picLocks noChangeAspect="1"/>
           </p:cNvPicPr>
           <p:nvPr/>
         </p:nvPicPr>
         <p:blipFill>
-          <a:blip r:embed="rId3">
+          <a:blip r:embed="rId2">
             <a:extLst>
               <a:ext uri="{96DAC541-7B7A-43D3-8B79-37D633B846F1}">
-                <asvg:svgBlip xmlns:asvg="http://schemas.microsoft.com/office/drawing/2016/SVG/main" r:embed="rId4"/>
+                <asvg:svgBlip xmlns:asvg="http://schemas.microsoft.com/office/drawing/2016/SVG/main" r:embed="rId3"/>
               </a:ext>
             </a:extLst>
           </a:blip>
@@ -6501,11 +6256,6 @@
         </p:spPr>
       </p:pic>
     </p:spTree>
-    <p:extLst>
-      <p:ext uri="{BB962C8B-B14F-4D97-AF65-F5344CB8AC3E}">
-        <p14:creationId xmlns:p14="http://schemas.microsoft.com/office/powerpoint/2010/main" val="4077370249"/>
-      </p:ext>
-    </p:extLst>
   </p:cSld>
   <p:clrMapOvr>
     <a:masterClrMapping/>
@@ -6513,13 +6263,13 @@
 </p:sld>
 </file>
 
-<file path=ppt/slides/slide8.xml><?xml version="1.0" encoding="utf-8"?>
+<file path=ppt/slides/slide9.xml><?xml version="1.0" encoding="utf-8"?>
 <p:sld xmlns:a="http://schemas.openxmlformats.org/drawingml/2006/main" xmlns:r="http://schemas.openxmlformats.org/officeDocument/2006/relationships" xmlns:p="http://schemas.openxmlformats.org/presentationml/2006/main">
   <p:cSld>
     <p:bg>
       <p:bgPr>
         <a:blipFill>
-          <a:blip r:embed="rId2"/>
+          <a:blip r:embed="rId1"/>
           <a:stretch>
             <a:fillRect t="-9000" b="-9000"/>
           </a:stretch>
@@ -6598,23 +6348,17 @@
       </p:sp>
       <p:pic>
         <p:nvPicPr>
-          <p:cNvPr id="4" name="Graphic 3">
-            <a:extLst>
-              <a:ext uri="{FF2B5EF4-FFF2-40B4-BE49-F238E27FC236}">
-                <a16:creationId xmlns:a16="http://schemas.microsoft.com/office/drawing/2014/main" id="{3A5AE17B-1F2E-0D7E-7E53-4FF3CB578EBF}"/>
-              </a:ext>
-            </a:extLst>
-          </p:cNvPr>
+          <p:cNvPr id="4" name="Graphic 3"/>
           <p:cNvPicPr>
             <a:picLocks noChangeAspect="1"/>
           </p:cNvPicPr>
           <p:nvPr/>
         </p:nvPicPr>
         <p:blipFill>
-          <a:blip r:embed="rId3">
+          <a:blip r:embed="rId2">
             <a:extLst>
               <a:ext uri="{96DAC541-7B7A-43D3-8B79-37D633B846F1}">
-                <asvg:svgBlip xmlns:asvg="http://schemas.microsoft.com/office/drawing/2016/SVG/main" r:embed="rId4"/>
+                <asvg:svgBlip xmlns:asvg="http://schemas.microsoft.com/office/drawing/2016/SVG/main" r:embed="rId3"/>
               </a:ext>
             </a:extLst>
           </a:blip>
@@ -6633,143 +6377,6 @@
         </p:spPr>
       </p:pic>
     </p:spTree>
-    <p:extLst>
-      <p:ext uri="{BB962C8B-B14F-4D97-AF65-F5344CB8AC3E}">
-        <p14:creationId xmlns:p14="http://schemas.microsoft.com/office/powerpoint/2010/main" val="1489531890"/>
-      </p:ext>
-    </p:extLst>
-  </p:cSld>
-  <p:clrMapOvr>
-    <a:masterClrMapping/>
-  </p:clrMapOvr>
-</p:sld>
-</file>
-
-<file path=ppt/slides/slide9.xml><?xml version="1.0" encoding="utf-8"?>
-<p:sld xmlns:a="http://schemas.openxmlformats.org/drawingml/2006/main" xmlns:r="http://schemas.openxmlformats.org/officeDocument/2006/relationships" xmlns:p="http://schemas.openxmlformats.org/presentationml/2006/main">
-  <p:cSld>
-    <p:bg>
-      <p:bgPr>
-        <a:blipFill>
-          <a:blip r:embed="rId2"/>
-          <a:stretch>
-            <a:fillRect t="-9000" b="-9000"/>
-          </a:stretch>
-        </a:blipFill>
-        <a:effectLst/>
-      </p:bgPr>
-    </p:bg>
-    <p:spTree>
-      <p:nvGrpSpPr>
-        <p:cNvPr id="1" name=""/>
-        <p:cNvGrpSpPr/>
-        <p:nvPr/>
-      </p:nvGrpSpPr>
-      <p:grpSpPr>
-        <a:xfrm>
-          <a:off x="0" y="0"/>
-          <a:ext cx="0" cy="0"/>
-          <a:chOff x="0" y="0"/>
-          <a:chExt cx="0" cy="0"/>
-        </a:xfrm>
-      </p:grpSpPr>
-      <p:sp>
-        <p:nvSpPr>
-          <p:cNvPr id="3" name="Subtitle 2"/>
-          <p:cNvSpPr>
-            <a:spLocks noGrp="1"/>
-          </p:cNvSpPr>
-          <p:nvPr>
-            <p:ph type="subTitle" idx="1"/>
-          </p:nvPr>
-        </p:nvSpPr>
-        <p:spPr>
-          <a:xfrm>
-            <a:off x="789708" y="387783"/>
-            <a:ext cx="10612583" cy="6047652"/>
-          </a:xfrm>
-          <a:prstGeom prst="roundRect">
-            <a:avLst/>
-          </a:prstGeom>
-          <a:solidFill>
-            <a:srgbClr val="FFFFFF">
-              <a:alpha val="40000"/>
-            </a:srgbClr>
-          </a:solidFill>
-          <a:ln>
-            <a:solidFill>
-              <a:srgbClr val="172A3D"/>
-            </a:solidFill>
-          </a:ln>
-        </p:spPr>
-        <p:txBody>
-          <a:bodyPr vert="horz" lIns="91440" tIns="45720" rIns="91440" bIns="45720" rtlCol="0" anchor="t">
-            <a:normAutofit/>
-          </a:bodyPr>
-          <a:lstStyle/>
-          <a:p>
-            <a:r>
-              <a:rPr lang="en-US" dirty="0">
-                <a:solidFill>
-                  <a:srgbClr val="172A3D"/>
-                </a:solidFill>
-                <a:latin typeface="Abadi"/>
-              </a:rPr>
-              <a:t> </a:t>
-            </a:r>
-            <a:endParaRPr lang="en-US" dirty="0">
-              <a:solidFill>
-                <a:srgbClr val="172A3D"/>
-              </a:solidFill>
-              <a:latin typeface="Abadi"/>
-              <a:ea typeface="+mn-lt"/>
-              <a:cs typeface="+mn-lt"/>
-            </a:endParaRPr>
-          </a:p>
-        </p:txBody>
-      </p:sp>
-      <p:pic>
-        <p:nvPicPr>
-          <p:cNvPr id="4" name="Graphic 3">
-            <a:extLst>
-              <a:ext uri="{FF2B5EF4-FFF2-40B4-BE49-F238E27FC236}">
-                <a16:creationId xmlns:a16="http://schemas.microsoft.com/office/drawing/2014/main" id="{3A5AE17B-1F2E-0D7E-7E53-4FF3CB578EBF}"/>
-              </a:ext>
-            </a:extLst>
-          </p:cNvPr>
-          <p:cNvPicPr>
-            <a:picLocks noChangeAspect="1"/>
-          </p:cNvPicPr>
-          <p:nvPr/>
-        </p:nvPicPr>
-        <p:blipFill>
-          <a:blip r:embed="rId3">
-            <a:extLst>
-              <a:ext uri="{96DAC541-7B7A-43D3-8B79-37D633B846F1}">
-                <asvg:svgBlip xmlns:asvg="http://schemas.microsoft.com/office/drawing/2016/SVG/main" r:embed="rId4"/>
-              </a:ext>
-            </a:extLst>
-          </a:blip>
-          <a:stretch>
-            <a:fillRect/>
-          </a:stretch>
-        </p:blipFill>
-        <p:spPr>
-          <a:xfrm>
-            <a:off x="1946565" y="2184169"/>
-            <a:ext cx="8298870" cy="2489661"/>
-          </a:xfrm>
-          <a:prstGeom prst="rect">
-            <a:avLst/>
-          </a:prstGeom>
-        </p:spPr>
-      </p:pic>
-    </p:spTree>
-    <p:extLst>
-      <p:ext uri="{BB962C8B-B14F-4D97-AF65-F5344CB8AC3E}">
-        <p14:creationId xmlns:p14="http://schemas.microsoft.com/office/powerpoint/2010/main" val="2179500784"/>
-      </p:ext>
-    </p:extLst>
   </p:cSld>
   <p:clrMapOvr>
     <a:masterClrMapping/>
@@ -6820,7 +6427,7 @@
     </a:clrScheme>
     <a:fontScheme name="Office Theme">
       <a:majorFont>
-        <a:latin typeface="Aptos Display" panose="020F0302020204030204"/>
+        <a:latin typeface="Aptos Display"/>
         <a:ea typeface=""/>
         <a:cs typeface=""/>
         <a:font script="Jpan" typeface="ＭＳ Ｐゴシック"/>
@@ -6855,7 +6462,7 @@
         <a:font script="Geor" typeface="Sylfaen"/>
       </a:majorFont>
       <a:minorFont>
-        <a:latin typeface="Aptos" panose="020B0004020202020204"/>
+        <a:latin typeface="Aptos"/>
         <a:ea typeface=""/>
         <a:cs typeface=""/>
         <a:font script="Jpan" typeface="ＭＳ Ｐゴシック"/>
@@ -7049,10 +6656,9 @@
       </a:style>
     </a:lnDef>
   </a:objectDefaults>
-  <a:extraClrSchemeLst/>
   <a:extLst>
     <a:ext uri="{05A4C25C-085E-4340-85A3-A5531E510DB2}">
-      <thm15:themeFamily xmlns:thm15="http://schemas.microsoft.com/office/thememl/2012/main" name="Office Theme" id="{2E142A2C-CD16-42D6-873A-C26D2A0506FA}" vid="{1BDDFF52-6CD6-40A5-AB3C-68EB2F1E4D0A}"/>
+      <thm15:themeFamily xmlns:thm15="http://schemas.microsoft.com/office/thememl/2012/main" name="Office Theme" id="{62F939B6-93AF-4DB8-9C6B-D6C7DFDC589F}" vid="{4A3C46E8-61CC-4603-A589-7422A47A8E4A}"/>
     </a:ext>
   </a:extLst>
 </a:theme>

--- a/Presentation.pptx
+++ b/Presentation.pptx
@@ -9,25 +9,24 @@
     <p:sldId id="257" r:id="rId4"/>
     <p:sldId id="259" r:id="rId5"/>
     <p:sldId id="260" r:id="rId6"/>
-    <p:sldId id="262" r:id="rId7"/>
-    <p:sldId id="263" r:id="rId8"/>
-    <p:sldId id="264" r:id="rId9"/>
-    <p:sldId id="265" r:id="rId10"/>
-    <p:sldId id="266" r:id="rId11"/>
-    <p:sldId id="267" r:id="rId12"/>
-    <p:sldId id="268" r:id="rId13"/>
-    <p:sldId id="269" r:id="rId14"/>
-    <p:sldId id="270" r:id="rId15"/>
-    <p:sldId id="271" r:id="rId16"/>
-    <p:sldId id="272" r:id="rId17"/>
-    <p:sldId id="273" r:id="rId18"/>
-    <p:sldId id="274" r:id="rId19"/>
-    <p:sldId id="275" r:id="rId20"/>
-    <p:sldId id="276" r:id="rId21"/>
-    <p:sldId id="277" r:id="rId22"/>
-    <p:sldId id="278" r:id="rId23"/>
-    <p:sldId id="279" r:id="rId24"/>
-    <p:sldId id="258" r:id="rId25"/>
+    <p:sldId id="263" r:id="rId7"/>
+    <p:sldId id="264" r:id="rId8"/>
+    <p:sldId id="265" r:id="rId9"/>
+    <p:sldId id="266" r:id="rId10"/>
+    <p:sldId id="267" r:id="rId11"/>
+    <p:sldId id="268" r:id="rId12"/>
+    <p:sldId id="269" r:id="rId13"/>
+    <p:sldId id="270" r:id="rId14"/>
+    <p:sldId id="271" r:id="rId15"/>
+    <p:sldId id="272" r:id="rId16"/>
+    <p:sldId id="273" r:id="rId17"/>
+    <p:sldId id="274" r:id="rId18"/>
+    <p:sldId id="275" r:id="rId19"/>
+    <p:sldId id="276" r:id="rId20"/>
+    <p:sldId id="277" r:id="rId21"/>
+    <p:sldId id="278" r:id="rId22"/>
+    <p:sldId id="279" r:id="rId23"/>
+    <p:sldId id="258" r:id="rId24"/>
   </p:sldIdLst>
   <p:sldSz cx="12192000" cy="6858000"/>
   <p:notesSz cx="6858000" cy="9144000"/>
@@ -4360,7 +4359,7 @@
         </p:nvGraphicFramePr>
         <p:xfrm>
           <a:off x="1496290" y="1011381"/>
-          <a:ext cx="9194165" cy="4794885"/>
+          <a:ext cx="9194165" cy="4795159"/>
         </p:xfrm>
         <a:graphic>
           <a:graphicData uri="http://schemas.openxmlformats.org/drawingml/2006/table">
@@ -5250,8 +5249,8 @@
         </p:blipFill>
         <p:spPr>
           <a:xfrm>
-            <a:off x="1946565" y="2184169"/>
-            <a:ext cx="8298870" cy="2489661"/>
+            <a:off x="1957451" y="2184169"/>
+            <a:ext cx="8277097" cy="2489661"/>
           </a:xfrm>
           <a:prstGeom prst="rect">
             <a:avLst/>
@@ -5336,127 +5335,6 @@
                 </a:solidFill>
                 <a:latin typeface="Abadi"/>
               </a:rPr>
-              <a:t> </a:t>
-            </a:r>
-            <a:endParaRPr lang="en-US" dirty="0">
-              <a:solidFill>
-                <a:srgbClr val="172A3D"/>
-              </a:solidFill>
-              <a:latin typeface="Abadi"/>
-              <a:ea typeface="+mn-lt"/>
-              <a:cs typeface="+mn-lt"/>
-            </a:endParaRPr>
-          </a:p>
-        </p:txBody>
-      </p:sp>
-      <p:pic>
-        <p:nvPicPr>
-          <p:cNvPr id="4" name="Graphic 3"/>
-          <p:cNvPicPr>
-            <a:picLocks noChangeAspect="1"/>
-          </p:cNvPicPr>
-          <p:nvPr/>
-        </p:nvPicPr>
-        <p:blipFill>
-          <a:blip r:embed="rId2">
-            <a:extLst>
-              <a:ext uri="{96DAC541-7B7A-43D3-8B79-37D633B846F1}">
-                <asvg:svgBlip xmlns:asvg="http://schemas.microsoft.com/office/drawing/2016/SVG/main" r:embed="rId3"/>
-              </a:ext>
-            </a:extLst>
-          </a:blip>
-          <a:stretch>
-            <a:fillRect/>
-          </a:stretch>
-        </p:blipFill>
-        <p:spPr>
-          <a:xfrm>
-            <a:off x="1957451" y="2184169"/>
-            <a:ext cx="8277097" cy="2489661"/>
-          </a:xfrm>
-          <a:prstGeom prst="rect">
-            <a:avLst/>
-          </a:prstGeom>
-        </p:spPr>
-      </p:pic>
-    </p:spTree>
-  </p:cSld>
-  <p:clrMapOvr>
-    <a:masterClrMapping/>
-  </p:clrMapOvr>
-</p:sld>
-</file>
-
-<file path=ppt/slides/slide23.xml><?xml version="1.0" encoding="utf-8"?>
-<p:sld xmlns:a="http://schemas.openxmlformats.org/drawingml/2006/main" xmlns:r="http://schemas.openxmlformats.org/officeDocument/2006/relationships" xmlns:p="http://schemas.openxmlformats.org/presentationml/2006/main">
-  <p:cSld>
-    <p:bg>
-      <p:bgPr>
-        <a:blipFill>
-          <a:blip r:embed="rId1"/>
-          <a:stretch>
-            <a:fillRect t="-9000" b="-9000"/>
-          </a:stretch>
-        </a:blipFill>
-        <a:effectLst/>
-      </p:bgPr>
-    </p:bg>
-    <p:spTree>
-      <p:nvGrpSpPr>
-        <p:cNvPr id="1" name=""/>
-        <p:cNvGrpSpPr/>
-        <p:nvPr/>
-      </p:nvGrpSpPr>
-      <p:grpSpPr>
-        <a:xfrm>
-          <a:off x="0" y="0"/>
-          <a:ext cx="0" cy="0"/>
-          <a:chOff x="0" y="0"/>
-          <a:chExt cx="0" cy="0"/>
-        </a:xfrm>
-      </p:grpSpPr>
-      <p:sp>
-        <p:nvSpPr>
-          <p:cNvPr id="3" name="Subtitle 2"/>
-          <p:cNvSpPr>
-            <a:spLocks noGrp="1"/>
-          </p:cNvSpPr>
-          <p:nvPr>
-            <p:ph type="subTitle" idx="1"/>
-          </p:nvPr>
-        </p:nvSpPr>
-        <p:spPr>
-          <a:xfrm>
-            <a:off x="789708" y="387783"/>
-            <a:ext cx="10612583" cy="6047652"/>
-          </a:xfrm>
-          <a:prstGeom prst="roundRect">
-            <a:avLst/>
-          </a:prstGeom>
-          <a:solidFill>
-            <a:srgbClr val="FFFFFF">
-              <a:alpha val="40000"/>
-            </a:srgbClr>
-          </a:solidFill>
-          <a:ln>
-            <a:solidFill>
-              <a:srgbClr val="172A3D"/>
-            </a:solidFill>
-          </a:ln>
-        </p:spPr>
-        <p:txBody>
-          <a:bodyPr vert="horz" lIns="91440" tIns="45720" rIns="91440" bIns="45720" rtlCol="0" anchor="t">
-            <a:normAutofit/>
-          </a:bodyPr>
-          <a:lstStyle/>
-          <a:p>
-            <a:r>
-              <a:rPr lang="en-US" dirty="0">
-                <a:solidFill>
-                  <a:srgbClr val="172A3D"/>
-                </a:solidFill>
-                <a:latin typeface="Abadi"/>
-              </a:rPr>
               <a:t> W</a:t>
             </a:r>
             <a:endParaRPr lang="en-US" dirty="0" err="1">
@@ -5877,13 +5755,7 @@
           <p:nvPr/>
         </p:nvPicPr>
         <p:blipFill>
-          <a:blip r:embed="rId2">
-            <a:extLst>
-              <a:ext uri="{96DAC541-7B7A-43D3-8B79-37D633B846F1}">
-                <asvg:svgBlip xmlns:asvg="http://schemas.microsoft.com/office/drawing/2016/SVG/main" r:embed="rId3"/>
-              </a:ext>
-            </a:extLst>
-          </a:blip>
+          <a:blip r:embed="rId2"/>
           <a:stretch>
             <a:fillRect/>
           </a:stretch>
@@ -5998,7 +5870,13 @@
           <p:nvPr/>
         </p:nvPicPr>
         <p:blipFill>
-          <a:blip r:embed="rId2"/>
+          <a:blip r:embed="rId2">
+            <a:extLst>
+              <a:ext uri="{96DAC541-7B7A-43D3-8B79-37D633B846F1}">
+                <asvg:svgBlip xmlns:asvg="http://schemas.microsoft.com/office/drawing/2016/SVG/main" r:embed="rId3"/>
+              </a:ext>
+            </a:extLst>
+          </a:blip>
           <a:stretch>
             <a:fillRect/>
           </a:stretch>
